--- a/report/sidney/forecast_slides.pptx
+++ b/report/sidney/forecast_slides.pptx
@@ -240,10 +240,10 @@
           </c:marker>
           <c:cat>
             <c:numRef>
-              <c:f>Sheet1!$A$2:$A$50</c:f>
+              <c:f>Sheet1!$A$2:$A$51</c:f>
               <c:numCache>
                 <c:formatCode>yyyy\-mm\-dd</c:formatCode>
-                <c:ptCount val="49"/>
+                <c:ptCount val="50"/>
                 <c:pt idx="0">
                   <c:v>42552.0</c:v>
                 </c:pt>
@@ -390,16 +390,19 @@
                 </c:pt>
                 <c:pt idx="48">
                   <c:v>44013.0</c:v>
+                </c:pt>
+                <c:pt idx="49">
+                  <c:v>44044.0</c:v>
                 </c:pt>
               </c:numCache>
             </c:numRef>
           </c:cat>
           <c:val>
             <c:numRef>
-              <c:f>Sheet1!$B$2:$B$50</c:f>
+              <c:f>Sheet1!$B$2:$B$51</c:f>
               <c:numCache>
                 <c:formatCode>General</c:formatCode>
-                <c:ptCount val="49"/>
+                <c:ptCount val="50"/>
                 <c:pt idx="0">
                   <c:v>3742.0</c:v>
                 </c:pt>
@@ -443,7 +446,7 @@
                   <c:v>3699.0</c:v>
                 </c:pt>
                 <c:pt idx="14">
-                  <c:v>3705.0</c:v>
+                  <c:v>3700.0</c:v>
                 </c:pt>
                 <c:pt idx="15">
                   <c:v>4329.0</c:v>
@@ -455,7 +458,7 @@
                   <c:v>4539.0</c:v>
                 </c:pt>
                 <c:pt idx="18">
-                  <c:v>4354.0</c:v>
+                  <c:v>4350.0</c:v>
                 </c:pt>
                 <c:pt idx="19">
                   <c:v>3815.0</c:v>
@@ -476,10 +479,10 @@
                   <c:v>4392.0</c:v>
                 </c:pt>
                 <c:pt idx="25">
-                  <c:v>4609.0</c:v>
+                  <c:v>4608.0</c:v>
                 </c:pt>
                 <c:pt idx="26">
-                  <c:v>4296.0</c:v>
+                  <c:v>4294.0</c:v>
                 </c:pt>
                 <c:pt idx="27">
                   <c:v>4462.0</c:v>
@@ -491,7 +494,7 @@
                   <c:v>3801.0</c:v>
                 </c:pt>
                 <c:pt idx="30">
-                  <c:v>2944.0</c:v>
+                  <c:v>2943.0</c:v>
                 </c:pt>
                 <c:pt idx="31">
                   <c:v>1981.0</c:v>
@@ -509,7 +512,10 @@
                   <c:v>1637.0</c:v>
                 </c:pt>
                 <c:pt idx="36">
-                  <c:v>1859.0</c:v>
+                  <c:v>1858.0</c:v>
+                </c:pt>
+                <c:pt idx="37">
+                  <c:v>1744.0</c:v>
                 </c:pt>
               </c:numCache>
             </c:numRef>
@@ -535,10 +541,10 @@
           </c:marker>
           <c:cat>
             <c:numRef>
-              <c:f>Sheet1!$A$2:$A$50</c:f>
+              <c:f>Sheet1!$A$2:$A$51</c:f>
               <c:numCache>
                 <c:formatCode>yyyy\-mm\-dd</c:formatCode>
-                <c:ptCount val="49"/>
+                <c:ptCount val="50"/>
                 <c:pt idx="0">
                   <c:v>42552.0</c:v>
                 </c:pt>
@@ -685,51 +691,54 @@
                 </c:pt>
                 <c:pt idx="48">
                   <c:v>44013.0</c:v>
+                </c:pt>
+                <c:pt idx="49">
+                  <c:v>44044.0</c:v>
                 </c:pt>
               </c:numCache>
             </c:numRef>
           </c:cat>
           <c:val>
             <c:numRef>
-              <c:f>Sheet1!$C$2:$C$50</c:f>
+              <c:f>Sheet1!$C$2:$C$51</c:f>
               <c:numCache>
                 <c:formatCode>General</c:formatCode>
-                <c:ptCount val="49"/>
-                <c:pt idx="37">
-                  <c:v>1760.9453244101219</c:v>
-                </c:pt>
+                <c:ptCount val="50"/>
                 <c:pt idx="38">
-                  <c:v>1709.6829264034532</c:v>
+                  <c:v>1755.3829711971455</c:v>
                 </c:pt>
                 <c:pt idx="39">
-                  <c:v>1649.381738338571</c:v>
+                  <c:v>1755.3829711971455</c:v>
                 </c:pt>
                 <c:pt idx="40">
-                  <c:v>1592.461180604024</c:v>
+                  <c:v>1755.3829711971455</c:v>
                 </c:pt>
                 <c:pt idx="41">
-                  <c:v>1536.7271410590756</c:v>
+                  <c:v>1755.3829711971455</c:v>
                 </c:pt>
                 <c:pt idx="42">
-                  <c:v>1482.5293605102545</c:v>
+                  <c:v>1755.3829711971455</c:v>
                 </c:pt>
                 <c:pt idx="43">
-                  <c:v>1429.775669695564</c:v>
+                  <c:v>1755.3829711971455</c:v>
                 </c:pt>
                 <c:pt idx="44">
-                  <c:v>1378.4510050799508</c:v>
+                  <c:v>1755.3829711971455</c:v>
                 </c:pt>
                 <c:pt idx="45">
-                  <c:v>1328.5271949094117</c:v>
+                  <c:v>1755.3829711971455</c:v>
                 </c:pt>
                 <c:pt idx="46">
-                  <c:v>1279.9786356732513</c:v>
+                  <c:v>1755.3829711971455</c:v>
                 </c:pt>
                 <c:pt idx="47">
-                  <c:v>1232.7795685233484</c:v>
+                  <c:v>1755.3829711971455</c:v>
                 </c:pt>
                 <c:pt idx="48">
-                  <c:v>1186.9045522155704</c:v>
+                  <c:v>1755.3829711971455</c:v>
+                </c:pt>
+                <c:pt idx="49">
+                  <c:v>1755.3829711971455</c:v>
                 </c:pt>
               </c:numCache>
             </c:numRef>
@@ -755,10 +764,10 @@
           </c:marker>
           <c:cat>
             <c:numRef>
-              <c:f>Sheet1!$A$2:$A$50</c:f>
+              <c:f>Sheet1!$A$2:$A$51</c:f>
               <c:numCache>
                 <c:formatCode>yyyy\-mm\-dd</c:formatCode>
-                <c:ptCount val="49"/>
+                <c:ptCount val="50"/>
                 <c:pt idx="0">
                   <c:v>42552.0</c:v>
                 </c:pt>
@@ -905,51 +914,54 @@
                 </c:pt>
                 <c:pt idx="48">
                   <c:v>44013.0</c:v>
+                </c:pt>
+                <c:pt idx="49">
+                  <c:v>44044.0</c:v>
                 </c:pt>
               </c:numCache>
             </c:numRef>
           </c:cat>
           <c:val>
             <c:numRef>
-              <c:f>Sheet1!$D$2:$D$50</c:f>
+              <c:f>Sheet1!$D$2:$D$51</c:f>
               <c:numCache>
                 <c:formatCode>General</c:formatCode>
-                <c:ptCount val="49"/>
-                <c:pt idx="37">
-                  <c:v>2130.3210400008415</c:v>
-                </c:pt>
+                <c:ptCount val="50"/>
                 <c:pt idx="38">
-                  <c:v>2209.1145930802813</c:v>
+                  <c:v>2167.7422798383486</c:v>
                 </c:pt>
                 <c:pt idx="39">
-                  <c:v>2267.454624144709</c:v>
+                  <c:v>2353.8423190868457</c:v>
                 </c:pt>
                 <c:pt idx="40">
-                  <c:v>2317.329160557379</c:v>
+                  <c:v>2500.7442736580806</c:v>
                 </c:pt>
                 <c:pt idx="41">
-                  <c:v>2361.9525305955444</c:v>
+                  <c:v>2627.3198611565113</c:v>
                 </c:pt>
                 <c:pt idx="42">
-                  <c:v>2403.7109232496537</c:v>
+                  <c:v>2740.884416403912</c:v>
                 </c:pt>
                 <c:pt idx="43">
-                  <c:v>2443.8896719189493</c:v>
+                  <c:v>2845.192359872378</c:v>
                 </c:pt>
                 <c:pt idx="44">
-                  <c:v>2483.371323776818</c:v>
+                  <c:v>2942.47552666469</c:v>
                 </c:pt>
                 <c:pt idx="45">
-                  <c:v>2522.766390192917</c:v>
+                  <c:v>3034.189060347941</c:v>
                 </c:pt>
                 <c:pt idx="46">
-                  <c:v>2562.5242322575345</c:v>
+                  <c:v>3121.3443755626085</c:v>
                 </c:pt>
                 <c:pt idx="47">
-                  <c:v>2602.9873430242305</c:v>
+                  <c:v>3204.678356558539</c:v>
                 </c:pt>
                 <c:pt idx="48">
-                  <c:v>2644.4259688381994</c:v>
+                  <c:v>3284.747648491178</c:v>
+                </c:pt>
+                <c:pt idx="49">
+                  <c:v>3361.984983282965</c:v>
                 </c:pt>
               </c:numCache>
             </c:numRef>
@@ -975,10 +987,10 @@
           </c:marker>
           <c:cat>
             <c:numRef>
-              <c:f>Sheet1!$A$2:$A$50</c:f>
+              <c:f>Sheet1!$A$2:$A$51</c:f>
               <c:numCache>
                 <c:formatCode>yyyy\-mm\-dd</c:formatCode>
-                <c:ptCount val="49"/>
+                <c:ptCount val="50"/>
                 <c:pt idx="0">
                   <c:v>42552.0</c:v>
                 </c:pt>
@@ -1125,51 +1137,54 @@
                 </c:pt>
                 <c:pt idx="48">
                   <c:v>44013.0</c:v>
+                </c:pt>
+                <c:pt idx="49">
+                  <c:v>44044.0</c:v>
                 </c:pt>
               </c:numCache>
             </c:numRef>
           </c:cat>
           <c:val>
             <c:numRef>
-              <c:f>Sheet1!$E$2:$E$50</c:f>
+              <c:f>Sheet1!$E$2:$E$51</c:f>
               <c:numCache>
                 <c:formatCode>General</c:formatCode>
-                <c:ptCount val="49"/>
-                <c:pt idx="37">
-                  <c:v>1415.087776079855</c:v>
-                </c:pt>
+                <c:ptCount val="50"/>
                 <c:pt idx="38">
-                  <c:v>1275.341085399174</c:v>
+                  <c:v>1357.7325444375867</c:v>
                 </c:pt>
                 <c:pt idx="39">
-                  <c:v>1144.2661076412498</c:v>
+                  <c:v>1209.1639547993473</c:v>
                 </c:pt>
                 <c:pt idx="40">
-                  <c:v>1031.3465016748903</c:v>
+                  <c:v>1099.8509727956466</c:v>
                 </c:pt>
                 <c:pt idx="41">
-                  <c:v>929.6080862887217</c:v>
+                  <c:v>1010.9228092002293</c:v>
                 </c:pt>
                 <c:pt idx="42">
-                  <c:v>837.2670370121282</c:v>
+                  <c:v>935.0650900051888</c:v>
                 </c:pt>
                 <c:pt idx="43">
-                  <c:v>752.871552858563</c:v>
+                  <c:v>868.5243897968463</c:v>
                 </c:pt>
                 <c:pt idx="44">
-                  <c:v>675.4956579572081</c:v>
+                  <c:v>809.0699047255143</c:v>
                 </c:pt>
                 <c:pt idx="45">
-                  <c:v>604.4542715611283</c:v>
+                  <c:v>755.2475607776144</c:v>
                 </c:pt>
                 <c:pt idx="46">
-                  <c:v>539.2199761409362</c:v>
+                  <c:v>706.047053444164</c:v>
                 </c:pt>
                 <c:pt idx="47">
-                  <c:v>479.36476430824507</c:v>
+                  <c:v>660.7326516524325</c:v>
                 </c:pt>
                 <c:pt idx="48">
-                  <c:v>424.5269676478851</c:v>
+                  <c:v>618.7489091481654</c:v>
+                </c:pt>
+                <c:pt idx="49">
+                  <c:v>579.6643415469854</c:v>
                 </c:pt>
               </c:numCache>
             </c:numRef>
@@ -1279,10 +1294,10 @@
           </c:marker>
           <c:cat>
             <c:numRef>
-              <c:f>Sheet1!$A$2:$A$50</c:f>
+              <c:f>Sheet1!$A$2:$A$51</c:f>
               <c:numCache>
                 <c:formatCode>yyyy\-mm\-dd</c:formatCode>
-                <c:ptCount val="49"/>
+                <c:ptCount val="50"/>
                 <c:pt idx="0">
                   <c:v>42552.0</c:v>
                 </c:pt>
@@ -1429,16 +1444,19 @@
                 </c:pt>
                 <c:pt idx="48">
                   <c:v>44013.0</c:v>
+                </c:pt>
+                <c:pt idx="49">
+                  <c:v>44044.0</c:v>
                 </c:pt>
               </c:numCache>
             </c:numRef>
           </c:cat>
           <c:val>
             <c:numRef>
-              <c:f>Sheet1!$B$2:$B$50</c:f>
+              <c:f>Sheet1!$B$2:$B$51</c:f>
               <c:numCache>
                 <c:formatCode>General</c:formatCode>
-                <c:ptCount val="49"/>
+                <c:ptCount val="50"/>
                 <c:pt idx="0">
                   <c:v>82.0</c:v>
                 </c:pt>
@@ -1549,6 +1567,9 @@
                 </c:pt>
                 <c:pt idx="36">
                   <c:v>143.0</c:v>
+                </c:pt>
+                <c:pt idx="37">
+                  <c:v>121.0</c:v>
                 </c:pt>
               </c:numCache>
             </c:numRef>
@@ -1574,10 +1595,10 @@
           </c:marker>
           <c:cat>
             <c:numRef>
-              <c:f>Sheet1!$A$2:$A$50</c:f>
+              <c:f>Sheet1!$A$2:$A$51</c:f>
               <c:numCache>
                 <c:formatCode>yyyy\-mm\-dd</c:formatCode>
-                <c:ptCount val="49"/>
+                <c:ptCount val="50"/>
                 <c:pt idx="0">
                   <c:v>42552.0</c:v>
                 </c:pt>
@@ -1724,51 +1745,54 @@
                 </c:pt>
                 <c:pt idx="48">
                   <c:v>44013.0</c:v>
+                </c:pt>
+                <c:pt idx="49">
+                  <c:v>44044.0</c:v>
                 </c:pt>
               </c:numCache>
             </c:numRef>
           </c:cat>
           <c:val>
             <c:numRef>
-              <c:f>Sheet1!$C$2:$C$50</c:f>
+              <c:f>Sheet1!$C$2:$C$51</c:f>
               <c:numCache>
                 <c:formatCode>General</c:formatCode>
-                <c:ptCount val="49"/>
-                <c:pt idx="37">
-                  <c:v>141.6839247993564</c:v>
-                </c:pt>
+                <c:ptCount val="50"/>
                 <c:pt idx="38">
-                  <c:v>141.6839247993564</c:v>
+                  <c:v>139.32326075170772</c:v>
                 </c:pt>
                 <c:pt idx="39">
-                  <c:v>141.6839247993564</c:v>
+                  <c:v>139.32326075170772</c:v>
                 </c:pt>
                 <c:pt idx="40">
-                  <c:v>141.6839247993564</c:v>
+                  <c:v>139.32326075170772</c:v>
                 </c:pt>
                 <c:pt idx="41">
-                  <c:v>141.6839247993564</c:v>
+                  <c:v>139.32326075170772</c:v>
                 </c:pt>
                 <c:pt idx="42">
-                  <c:v>141.6839247993564</c:v>
+                  <c:v>139.32326075170772</c:v>
                 </c:pt>
                 <c:pt idx="43">
-                  <c:v>141.6839247993564</c:v>
+                  <c:v>139.32326075170772</c:v>
                 </c:pt>
                 <c:pt idx="44">
-                  <c:v>141.6839247993564</c:v>
+                  <c:v>139.32326075170772</c:v>
                 </c:pt>
                 <c:pt idx="45">
-                  <c:v>141.6839247993564</c:v>
+                  <c:v>139.32326075170772</c:v>
                 </c:pt>
                 <c:pt idx="46">
-                  <c:v>141.6839247993564</c:v>
+                  <c:v>139.32326075170772</c:v>
                 </c:pt>
                 <c:pt idx="47">
-                  <c:v>141.6839247993564</c:v>
+                  <c:v>139.32326075170772</c:v>
                 </c:pt>
                 <c:pt idx="48">
-                  <c:v>141.6839247993564</c:v>
+                  <c:v>139.32326075170772</c:v>
+                </c:pt>
+                <c:pt idx="49">
+                  <c:v>139.32326075170772</c:v>
                 </c:pt>
               </c:numCache>
             </c:numRef>
@@ -1794,10 +1818,10 @@
           </c:marker>
           <c:cat>
             <c:numRef>
-              <c:f>Sheet1!$A$2:$A$50</c:f>
+              <c:f>Sheet1!$A$2:$A$51</c:f>
               <c:numCache>
                 <c:formatCode>yyyy\-mm\-dd</c:formatCode>
-                <c:ptCount val="49"/>
+                <c:ptCount val="50"/>
                 <c:pt idx="0">
                   <c:v>42552.0</c:v>
                 </c:pt>
@@ -1944,51 +1968,54 @@
                 </c:pt>
                 <c:pt idx="48">
                   <c:v>44013.0</c:v>
+                </c:pt>
+                <c:pt idx="49">
+                  <c:v>44044.0</c:v>
                 </c:pt>
               </c:numCache>
             </c:numRef>
           </c:cat>
           <c:val>
             <c:numRef>
-              <c:f>Sheet1!$D$2:$D$50</c:f>
+              <c:f>Sheet1!$D$2:$D$51</c:f>
               <c:numCache>
                 <c:formatCode>General</c:formatCode>
-                <c:ptCount val="49"/>
-                <c:pt idx="37">
-                  <c:v>193.46050686500232</c:v>
-                </c:pt>
+                <c:ptCount val="50"/>
                 <c:pt idx="38">
-                  <c:v>194.4641186153627</c:v>
+                  <c:v>193.09995558670136</c:v>
                 </c:pt>
                 <c:pt idx="39">
-                  <c:v>195.45277082432398</c:v>
+                  <c:v>194.2640537222929</c:v>
                 </c:pt>
                 <c:pt idx="40">
-                  <c:v>196.42719497341344</c:v>
+                  <c:v>195.41495926581334</c:v>
                 </c:pt>
                 <c:pt idx="41">
-                  <c:v>197.38806468936042</c:v>
+                  <c:v>196.55332880543162</c:v>
                 </c:pt>
                 <c:pt idx="42">
-                  <c:v>198.336001956919</c:v>
+                  <c:v>197.6797678937799</c:v>
                 </c:pt>
                 <c:pt idx="43">
-                  <c:v>199.27158249923448</c:v>
+                  <c:v>198.79483641740705</c:v>
                 </c:pt>
                 <c:pt idx="44">
-                  <c:v>200.19534045815954</c:v>
+                  <c:v>199.89905326179243</c:v>
                 </c:pt>
                 <c:pt idx="45">
-                  <c:v>201.10777248273715</c:v>
+                  <c:v>200.9929003816317</c:v>
                 </c:pt>
                 <c:pt idx="46">
-                  <c:v>202.00934131483038</c:v>
+                  <c:v>202.07682636647502</c:v>
                 </c:pt>
                 <c:pt idx="47">
-                  <c:v>202.90047894549238</c:v>
+                  <c:v>203.1512495761068</c:v>
                 </c:pt>
                 <c:pt idx="48">
-                  <c:v>203.78158940326594</c:v>
+                  <c:v>204.21656090743588</c:v>
+                </c:pt>
+                <c:pt idx="49">
+                  <c:v>205.2731262444566</c:v>
                 </c:pt>
               </c:numCache>
             </c:numRef>
@@ -2014,10 +2041,10 @@
           </c:marker>
           <c:cat>
             <c:numRef>
-              <c:f>Sheet1!$A$2:$A$50</c:f>
+              <c:f>Sheet1!$A$2:$A$51</c:f>
               <c:numCache>
                 <c:formatCode>yyyy\-mm\-dd</c:formatCode>
-                <c:ptCount val="49"/>
+                <c:ptCount val="50"/>
                 <c:pt idx="0">
                   <c:v>42552.0</c:v>
                 </c:pt>
@@ -2164,51 +2191,54 @@
                 </c:pt>
                 <c:pt idx="48">
                   <c:v>44013.0</c:v>
+                </c:pt>
+                <c:pt idx="49">
+                  <c:v>44044.0</c:v>
                 </c:pt>
               </c:numCache>
             </c:numRef>
           </c:cat>
           <c:val>
             <c:numRef>
-              <c:f>Sheet1!$E$2:$E$50</c:f>
+              <c:f>Sheet1!$E$2:$E$51</c:f>
               <c:numCache>
                 <c:formatCode>General</c:formatCode>
-                <c:ptCount val="49"/>
-                <c:pt idx="37">
-                  <c:v>92.82710986195477</c:v>
-                </c:pt>
+                <c:ptCount val="50"/>
                 <c:pt idx="38">
-                  <c:v>92.077954525192</c:v>
+                  <c:v>92.13969530349254</c:v>
                 </c:pt>
                 <c:pt idx="39">
-                  <c:v>91.34379352685167</c:v>
+                  <c:v>91.53313397129499</c:v>
                 </c:pt>
                 <c:pt idx="40">
-                  <c:v>90.62389543371599</c:v>
+                  <c:v>90.9399658857837</c:v>
                 </c:pt>
                 <c:pt idx="41">
-                  <c:v>89.91758666750752</c:v>
+                  <c:v>90.35953447588668</c:v>
                 </c:pt>
                 <c:pt idx="42">
-                  <c:v>89.224245292067</c:v>
+                  <c:v>89.79123420606876</c:v>
                 </c:pt>
                 <c:pt idx="43">
-                  <c:v>88.54329563298785</c:v>
+                  <c:v>89.2345052068782</c:v>
                 </c:pt>
                 <c:pt idx="44">
-                  <c:v>87.87420359730004</c:v>
+                  <c:v>88.68882860993335</c:v>
                 </c:pt>
                 <c:pt idx="45">
-                  <c:v>87.2164725849886</c:v>
+                  <c:v>88.1537224776359</c:v>
                 </c:pt>
                 <c:pt idx="46">
-                  <c:v>86.56963990336394</c:v>
+                  <c:v>87.62873823753306</c:v>
                 </c:pt>
                 <c:pt idx="47">
-                  <c:v>85.93327361069284</c:v>
+                  <c:v>87.11345754693869</c:v>
                 </c:pt>
                 <c:pt idx="48">
-                  <c:v>85.30696972789926</c:v>
+                  <c:v>86.60748952604203</c:v>
+                </c:pt>
+                <c:pt idx="49">
+                  <c:v>86.11046830794622</c:v>
                 </c:pt>
               </c:numCache>
             </c:numRef>
@@ -2318,10 +2348,10 @@
           </c:marker>
           <c:cat>
             <c:numRef>
-              <c:f>Sheet1!$A$2:$A$50</c:f>
+              <c:f>Sheet1!$A$2:$A$51</c:f>
               <c:numCache>
                 <c:formatCode>yyyy\-mm\-dd</c:formatCode>
-                <c:ptCount val="49"/>
+                <c:ptCount val="50"/>
                 <c:pt idx="0">
                   <c:v>42552.0</c:v>
                 </c:pt>
@@ -2468,21 +2498,24 @@
                 </c:pt>
                 <c:pt idx="48">
                   <c:v>44013.0</c:v>
+                </c:pt>
+                <c:pt idx="49">
+                  <c:v>44044.0</c:v>
                 </c:pt>
               </c:numCache>
             </c:numRef>
           </c:cat>
           <c:val>
             <c:numRef>
-              <c:f>Sheet1!$B$2:$B$50</c:f>
+              <c:f>Sheet1!$B$2:$B$51</c:f>
               <c:numCache>
                 <c:formatCode>General</c:formatCode>
-                <c:ptCount val="49"/>
+                <c:ptCount val="50"/>
                 <c:pt idx="0">
                   <c:v>50.0</c:v>
                 </c:pt>
                 <c:pt idx="1">
-                  <c:v>24.0</c:v>
+                  <c:v>23.0</c:v>
                 </c:pt>
                 <c:pt idx="2">
                   <c:v>23.0</c:v>
@@ -2491,16 +2524,16 @@
                   <c:v>45.0</c:v>
                 </c:pt>
                 <c:pt idx="4">
-                  <c:v>43.0</c:v>
+                  <c:v>44.0</c:v>
                 </c:pt>
                 <c:pt idx="5">
                   <c:v>35.0</c:v>
                 </c:pt>
                 <c:pt idx="6">
-                  <c:v>30.0</c:v>
+                  <c:v>25.0</c:v>
                 </c:pt>
                 <c:pt idx="7">
-                  <c:v>30.0</c:v>
+                  <c:v>31.0</c:v>
                 </c:pt>
                 <c:pt idx="8">
                   <c:v>33.0</c:v>
@@ -2509,7 +2542,7 @@
                   <c:v>44.0</c:v>
                 </c:pt>
                 <c:pt idx="10">
-                  <c:v>47.0</c:v>
+                  <c:v>46.0</c:v>
                 </c:pt>
                 <c:pt idx="11">
                   <c:v>43.0</c:v>
@@ -2518,7 +2551,7 @@
                   <c:v>53.0</c:v>
                 </c:pt>
                 <c:pt idx="13">
-                  <c:v>18.0</c:v>
+                  <c:v>19.0</c:v>
                 </c:pt>
                 <c:pt idx="14">
                   <c:v>20.0</c:v>
@@ -2536,7 +2569,7 @@
                   <c:v>54.0</c:v>
                 </c:pt>
                 <c:pt idx="19">
-                  <c:v>36.0</c:v>
+                  <c:v>35.0</c:v>
                 </c:pt>
                 <c:pt idx="20">
                   <c:v>66.0</c:v>
@@ -2545,13 +2578,13 @@
                   <c:v>35.0</c:v>
                 </c:pt>
                 <c:pt idx="22">
-                  <c:v>33.0</c:v>
+                  <c:v>32.0</c:v>
                 </c:pt>
                 <c:pt idx="23">
                   <c:v>47.0</c:v>
                 </c:pt>
                 <c:pt idx="24">
-                  <c:v>39.0</c:v>
+                  <c:v>37.0</c:v>
                 </c:pt>
                 <c:pt idx="25">
                   <c:v>44.0</c:v>
@@ -2563,10 +2596,10 @@
                   <c:v>36.0</c:v>
                 </c:pt>
                 <c:pt idx="28">
-                  <c:v>36.0</c:v>
+                  <c:v>35.0</c:v>
                 </c:pt>
                 <c:pt idx="29">
-                  <c:v>32.0</c:v>
+                  <c:v>31.0</c:v>
                 </c:pt>
                 <c:pt idx="30">
                   <c:v>56.0</c:v>
@@ -2578,16 +2611,19 @@
                   <c:v>41.0</c:v>
                 </c:pt>
                 <c:pt idx="33">
-                  <c:v>60.0</c:v>
+                  <c:v>59.0</c:v>
                 </c:pt>
                 <c:pt idx="34">
                   <c:v>45.0</c:v>
                 </c:pt>
                 <c:pt idx="35">
-                  <c:v>51.0</c:v>
+                  <c:v>50.0</c:v>
                 </c:pt>
                 <c:pt idx="36">
-                  <c:v>55.0</c:v>
+                  <c:v>54.0</c:v>
+                </c:pt>
+                <c:pt idx="37">
+                  <c:v>46.0</c:v>
                 </c:pt>
               </c:numCache>
             </c:numRef>
@@ -2613,10 +2649,10 @@
           </c:marker>
           <c:cat>
             <c:numRef>
-              <c:f>Sheet1!$A$2:$A$50</c:f>
+              <c:f>Sheet1!$A$2:$A$51</c:f>
               <c:numCache>
                 <c:formatCode>yyyy\-mm\-dd</c:formatCode>
-                <c:ptCount val="49"/>
+                <c:ptCount val="50"/>
                 <c:pt idx="0">
                   <c:v>42552.0</c:v>
                 </c:pt>
@@ -2763,51 +2799,54 @@
                 </c:pt>
                 <c:pt idx="48">
                   <c:v>44013.0</c:v>
+                </c:pt>
+                <c:pt idx="49">
+                  <c:v>44044.0</c:v>
                 </c:pt>
               </c:numCache>
             </c:numRef>
           </c:cat>
           <c:val>
             <c:numRef>
-              <c:f>Sheet1!$C$2:$C$50</c:f>
+              <c:f>Sheet1!$C$2:$C$51</c:f>
               <c:numCache>
                 <c:formatCode>General</c:formatCode>
-                <c:ptCount val="49"/>
-                <c:pt idx="37">
-                  <c:v>51.814776481277136</c:v>
-                </c:pt>
+                <c:ptCount val="50"/>
                 <c:pt idx="38">
-                  <c:v>48.47743969942067</c:v>
+                  <c:v>45.994411420742814</c:v>
                 </c:pt>
                 <c:pt idx="39">
-                  <c:v>47.33580627412346</c:v>
+                  <c:v>45.90914866306733</c:v>
                 </c:pt>
                 <c:pt idx="40">
-                  <c:v>46.921647064677</c:v>
+                  <c:v>45.88864516158219</c:v>
                 </c:pt>
                 <c:pt idx="41">
-                  <c:v>46.768227141258514</c:v>
+                  <c:v>45.883713696181275</c:v>
                 </c:pt>
                 <c:pt idx="42">
-                  <c:v>46.710956247173634</c:v>
+                  <c:v>45.882527536831155</c:v>
                 </c:pt>
                 <c:pt idx="43">
-                  <c:v>46.689516042262284</c:v>
+                  <c:v>45.88224222835422</c:v>
                 </c:pt>
                 <c:pt idx="44">
-                  <c:v>46.681480990048414</c:v>
+                  <c:v>45.88217360255444</c:v>
                 </c:pt>
                 <c:pt idx="45">
-                  <c:v>46.67846852092175</c:v>
+                  <c:v>45.882157095847994</c:v>
                 </c:pt>
                 <c:pt idx="46">
-                  <c:v>46.67733892847069</c:v>
+                  <c:v>45.88215312545495</c:v>
                 </c:pt>
                 <c:pt idx="47">
-                  <c:v>46.67691533872974</c:v>
+                  <c:v>45.882152170447874</c:v>
                 </c:pt>
                 <c:pt idx="48">
-                  <c:v>46.67675649200579</c:v>
+                  <c:v>45.88215194073799</c:v>
+                </c:pt>
+                <c:pt idx="49">
+                  <c:v>45.88215188548539</c:v>
                 </c:pt>
               </c:numCache>
             </c:numRef>
@@ -2833,10 +2872,10 @@
           </c:marker>
           <c:cat>
             <c:numRef>
-              <c:f>Sheet1!$A$2:$A$50</c:f>
+              <c:f>Sheet1!$A$2:$A$51</c:f>
               <c:numCache>
                 <c:formatCode>yyyy\-mm\-dd</c:formatCode>
-                <c:ptCount val="49"/>
+                <c:ptCount val="50"/>
                 <c:pt idx="0">
                   <c:v>42552.0</c:v>
                 </c:pt>
@@ -2983,51 +3022,54 @@
                 </c:pt>
                 <c:pt idx="48">
                   <c:v>44013.0</c:v>
+                </c:pt>
+                <c:pt idx="49">
+                  <c:v>44044.0</c:v>
                 </c:pt>
               </c:numCache>
             </c:numRef>
           </c:cat>
           <c:val>
             <c:numRef>
-              <c:f>Sheet1!$D$2:$D$50</c:f>
+              <c:f>Sheet1!$D$2:$D$51</c:f>
               <c:numCache>
                 <c:formatCode>General</c:formatCode>
-                <c:ptCount val="49"/>
-                <c:pt idx="37">
-                  <c:v>82.10953527895055</c:v>
-                </c:pt>
+                <c:ptCount val="50"/>
                 <c:pt idx="38">
-                  <c:v>78.33996103015114</c:v>
+                  <c:v>62.55183584690301</c:v>
                 </c:pt>
                 <c:pt idx="39">
-                  <c:v>76.13404553898744</c:v>
+                  <c:v>62.957736459559136</c:v>
                 </c:pt>
                 <c:pt idx="40">
-                  <c:v>75.22476801714487</c:v>
+                  <c:v>62.96412931935196</c:v>
                 </c:pt>
                 <c:pt idx="41">
-                  <c:v>74.87361709012399</c:v>
+                  <c:v>62.96048460673242</c:v>
                 </c:pt>
                 <c:pt idx="42">
-                  <c:v>74.7405722469524</c:v>
+                  <c:v>62.95930843826223</c:v>
                 </c:pt>
                 <c:pt idx="43">
-                  <c:v>74.69049174838904</c:v>
+                  <c:v>62.95900820568968</c:v>
                 </c:pt>
                 <c:pt idx="44">
-                  <c:v>74.67168502085927</c:v>
+                  <c:v>62.95893498769535</c:v>
                 </c:pt>
                 <c:pt idx="45">
-                  <c:v>74.66462870358016</c:v>
+                  <c:v>62.958917318420056</c:v>
                 </c:pt>
                 <c:pt idx="46">
-                  <c:v>74.66198202457402</c:v>
+                  <c:v>62.958913065036306</c:v>
                 </c:pt>
                 <c:pt idx="47">
-                  <c:v>74.66098943112014</c:v>
+                  <c:v>62.95891204176674</c:v>
                 </c:pt>
                 <c:pt idx="48">
-                  <c:v>74.660617192298</c:v>
+                  <c:v>62.9589117956263</c:v>
+                </c:pt>
+                <c:pt idx="49">
+                  <c:v>62.95891173642097</c:v>
                 </c:pt>
               </c:numCache>
             </c:numRef>
@@ -3053,10 +3095,10 @@
           </c:marker>
           <c:cat>
             <c:numRef>
-              <c:f>Sheet1!$A$2:$A$50</c:f>
+              <c:f>Sheet1!$A$2:$A$51</c:f>
               <c:numCache>
                 <c:formatCode>yyyy\-mm\-dd</c:formatCode>
-                <c:ptCount val="49"/>
+                <c:ptCount val="50"/>
                 <c:pt idx="0">
                   <c:v>42552.0</c:v>
                 </c:pt>
@@ -3203,51 +3245,54 @@
                 </c:pt>
                 <c:pt idx="48">
                   <c:v>44013.0</c:v>
+                </c:pt>
+                <c:pt idx="49">
+                  <c:v>44044.0</c:v>
                 </c:pt>
               </c:numCache>
             </c:numRef>
           </c:cat>
           <c:val>
             <c:numRef>
-              <c:f>Sheet1!$E$2:$E$50</c:f>
+              <c:f>Sheet1!$E$2:$E$51</c:f>
               <c:numCache>
                 <c:formatCode>General</c:formatCode>
-                <c:ptCount val="49"/>
-                <c:pt idx="37">
-                  <c:v>32.29589688725812</c:v>
-                </c:pt>
+                <c:ptCount val="50"/>
                 <c:pt idx="38">
-                  <c:v>30.416523539831356</c:v>
+                  <c:v>29.912387304823167</c:v>
                 </c:pt>
                 <c:pt idx="39">
-                  <c:v>29.904839330535435</c:v>
+                  <c:v>29.405407272968834</c:v>
                 </c:pt>
                 <c:pt idx="40">
-                  <c:v>29.735643900309057</c:v>
+                  <c:v>29.362153298995782</c:v>
                 </c:pt>
                 <c:pt idx="41">
-                  <c:v>29.67523241174825</c:v>
+                  <c:v>29.356204050226314</c:v>
                 </c:pt>
                 <c:pt idx="42">
-                  <c:v>29.65299816925321</c:v>
+                  <c:v>29.355030444736922</c:v>
                 </c:pt>
                 <c:pt idx="43">
-                  <c:v>29.644718984863196</c:v>
+                  <c:v>29.354763044186317</c:v>
                 </c:pt>
                 <c:pt idx="44">
-                  <c:v>29.641622491003478</c:v>
+                  <c:v>29.35469958718065</c:v>
                 </c:pt>
                 <c:pt idx="45">
-                  <c:v>29.640462446321994</c:v>
+                  <c:v>29.35468437356985</c:v>
                 </c:pt>
                 <c:pt idx="46">
-                  <c:v>29.64002758548722</c:v>
+                  <c:v>29.35468071709107</c:v>
                 </c:pt>
                 <c:pt idx="47">
-                  <c:v>29.639864532940123</c:v>
+                  <c:v>29.354679837757274</c:v>
                 </c:pt>
                 <c:pt idx="48">
-                  <c:v>29.639803390462994</c:v>
+                  <c:v>29.3546796262589</c:v>
+                </c:pt>
+                <c:pt idx="49">
+                  <c:v>29.354679575387294</c:v>
                 </c:pt>
               </c:numCache>
             </c:numRef>
@@ -3357,10 +3402,10 @@
           </c:marker>
           <c:cat>
             <c:numRef>
-              <c:f>Sheet1!$A$2:$A$50</c:f>
+              <c:f>Sheet1!$A$2:$A$51</c:f>
               <c:numCache>
                 <c:formatCode>yyyy\-mm\-dd</c:formatCode>
-                <c:ptCount val="49"/>
+                <c:ptCount val="50"/>
                 <c:pt idx="0">
                   <c:v>42552.0</c:v>
                 </c:pt>
@@ -3507,21 +3552,24 @@
                 </c:pt>
                 <c:pt idx="48">
                   <c:v>44013.0</c:v>
+                </c:pt>
+                <c:pt idx="49">
+                  <c:v>44044.0</c:v>
                 </c:pt>
               </c:numCache>
             </c:numRef>
           </c:cat>
           <c:val>
             <c:numRef>
-              <c:f>Sheet1!$B$2:$B$50</c:f>
+              <c:f>Sheet1!$B$2:$B$51</c:f>
               <c:numCache>
                 <c:formatCode>General</c:formatCode>
-                <c:ptCount val="49"/>
+                <c:ptCount val="50"/>
                 <c:pt idx="0">
                   <c:v>11.0</c:v>
                 </c:pt>
                 <c:pt idx="1">
-                  <c:v>11.0</c:v>
+                  <c:v>12.0</c:v>
                 </c:pt>
                 <c:pt idx="2">
                   <c:v>14.0</c:v>
@@ -3530,16 +3578,16 @@
                   <c:v>15.0</c:v>
                 </c:pt>
                 <c:pt idx="4">
-                  <c:v>19.0</c:v>
+                  <c:v>18.0</c:v>
                 </c:pt>
                 <c:pt idx="5">
                   <c:v>15.0</c:v>
                 </c:pt>
                 <c:pt idx="6">
-                  <c:v>15.0</c:v>
+                  <c:v>20.0</c:v>
                 </c:pt>
                 <c:pt idx="7">
-                  <c:v>18.0</c:v>
+                  <c:v>17.0</c:v>
                 </c:pt>
                 <c:pt idx="8">
                   <c:v>18.0</c:v>
@@ -3548,7 +3596,7 @@
                   <c:v>15.0</c:v>
                 </c:pt>
                 <c:pt idx="10">
-                  <c:v>16.0</c:v>
+                  <c:v>17.0</c:v>
                 </c:pt>
                 <c:pt idx="11">
                   <c:v>23.0</c:v>
@@ -3557,13 +3605,13 @@
                   <c:v>16.0</c:v>
                 </c:pt>
                 <c:pt idx="13">
-                  <c:v>19.0</c:v>
+                  <c:v>18.0</c:v>
                 </c:pt>
                 <c:pt idx="14">
                   <c:v>21.0</c:v>
                 </c:pt>
                 <c:pt idx="15">
-                  <c:v>17.0</c:v>
+                  <c:v>16.0</c:v>
                 </c:pt>
                 <c:pt idx="16">
                   <c:v>19.0</c:v>
@@ -3572,10 +3620,10 @@
                   <c:v>21.0</c:v>
                 </c:pt>
                 <c:pt idx="18">
-                  <c:v>17.0</c:v>
+                  <c:v>15.0</c:v>
                 </c:pt>
                 <c:pt idx="19">
-                  <c:v>19.0</c:v>
+                  <c:v>20.0</c:v>
                 </c:pt>
                 <c:pt idx="20">
                   <c:v>26.0</c:v>
@@ -3584,13 +3632,13 @@
                   <c:v>24.0</c:v>
                 </c:pt>
                 <c:pt idx="22">
-                  <c:v>20.0</c:v>
+                  <c:v>21.0</c:v>
                 </c:pt>
                 <c:pt idx="23">
                   <c:v>24.0</c:v>
                 </c:pt>
                 <c:pt idx="24">
-                  <c:v>21.0</c:v>
+                  <c:v>23.0</c:v>
                 </c:pt>
                 <c:pt idx="25">
                   <c:v>20.0</c:v>
@@ -3605,7 +3653,7 @@
                   <c:v>20.0</c:v>
                 </c:pt>
                 <c:pt idx="29">
-                  <c:v>22.0</c:v>
+                  <c:v>23.0</c:v>
                 </c:pt>
                 <c:pt idx="30">
                   <c:v>28.0</c:v>
@@ -3617,16 +3665,19 @@
                   <c:v>24.0</c:v>
                 </c:pt>
                 <c:pt idx="33">
-                  <c:v>26.0</c:v>
+                  <c:v>27.0</c:v>
                 </c:pt>
                 <c:pt idx="34">
                   <c:v>21.0</c:v>
                 </c:pt>
                 <c:pt idx="35">
-                  <c:v>21.0</c:v>
+                  <c:v>22.0</c:v>
                 </c:pt>
                 <c:pt idx="36">
-                  <c:v>22.0</c:v>
+                  <c:v>23.0</c:v>
+                </c:pt>
+                <c:pt idx="37">
+                  <c:v>24.0</c:v>
                 </c:pt>
               </c:numCache>
             </c:numRef>
@@ -3652,10 +3703,10 @@
           </c:marker>
           <c:cat>
             <c:numRef>
-              <c:f>Sheet1!$A$2:$A$50</c:f>
+              <c:f>Sheet1!$A$2:$A$51</c:f>
               <c:numCache>
                 <c:formatCode>yyyy\-mm\-dd</c:formatCode>
-                <c:ptCount val="49"/>
+                <c:ptCount val="50"/>
                 <c:pt idx="0">
                   <c:v>42552.0</c:v>
                 </c:pt>
@@ -3802,51 +3853,54 @@
                 </c:pt>
                 <c:pt idx="48">
                   <c:v>44013.0</c:v>
+                </c:pt>
+                <c:pt idx="49">
+                  <c:v>44044.0</c:v>
                 </c:pt>
               </c:numCache>
             </c:numRef>
           </c:cat>
           <c:val>
             <c:numRef>
-              <c:f>Sheet1!$C$2:$C$50</c:f>
+              <c:f>Sheet1!$C$2:$C$51</c:f>
               <c:numCache>
                 <c:formatCode>General</c:formatCode>
-                <c:ptCount val="49"/>
-                <c:pt idx="37">
-                  <c:v>23.534403061314226</c:v>
-                </c:pt>
+                <c:ptCount val="50"/>
                 <c:pt idx="38">
-                  <c:v>23.79877582537116</c:v>
+                  <c:v>24.033906143275875</c:v>
                 </c:pt>
                 <c:pt idx="39">
-                  <c:v>24.063528661784733</c:v>
+                  <c:v>24.300367881930164</c:v>
                 </c:pt>
                 <c:pt idx="40">
-                  <c:v>24.328658378869342</c:v>
+                  <c:v>24.5672843535785</c:v>
                 </c:pt>
                 <c:pt idx="41">
-                  <c:v>24.59416184318253</c:v>
+                  <c:v>24.834652054544197</c:v>
                 </c:pt>
                 <c:pt idx="42">
-                  <c:v>24.860035977889453</c:v>
+                  <c:v>25.10246754116122</c:v>
                 </c:pt>
                 <c:pt idx="43">
-                  <c:v>25.126277761189318</c:v>
+                  <c:v>25.370727428181855</c:v>
                 </c:pt>
                 <c:pt idx="44">
-                  <c:v>25.39288422480071</c:v>
+                  <c:v>25.639428387241548</c:v>
                 </c:pt>
                 <c:pt idx="45">
-                  <c:v>25.659852452503227</c:v>
+                  <c:v>25.908567145378296</c:v>
                 </c:pt>
                 <c:pt idx="46">
-                  <c:v>25.92717957873256</c:v>
+                  <c:v>26.17814048360418</c:v>
                 </c:pt>
                 <c:pt idx="47">
-                  <c:v>26.194862787226732</c:v>
+                  <c:v>26.448145235526688</c:v>
                 </c:pt>
                 <c:pt idx="48">
-                  <c:v>26.462899309721198</c:v>
+                  <c:v>26.718578286017692</c:v>
+                </c:pt>
+                <c:pt idx="49">
+                  <c:v>26.989436569928014</c:v>
                 </c:pt>
               </c:numCache>
             </c:numRef>
@@ -3872,10 +3926,10 @@
           </c:marker>
           <c:cat>
             <c:numRef>
-              <c:f>Sheet1!$A$2:$A$50</c:f>
+              <c:f>Sheet1!$A$2:$A$51</c:f>
               <c:numCache>
                 <c:formatCode>yyyy\-mm\-dd</c:formatCode>
-                <c:ptCount val="49"/>
+                <c:ptCount val="50"/>
                 <c:pt idx="0">
                   <c:v>42552.0</c:v>
                 </c:pt>
@@ -4022,51 +4076,54 @@
                 </c:pt>
                 <c:pt idx="48">
                   <c:v>44013.0</c:v>
+                </c:pt>
+                <c:pt idx="49">
+                  <c:v>44044.0</c:v>
                 </c:pt>
               </c:numCache>
             </c:numRef>
           </c:cat>
           <c:val>
             <c:numRef>
-              <c:f>Sheet1!$D$2:$D$50</c:f>
+              <c:f>Sheet1!$D$2:$D$51</c:f>
               <c:numCache>
                 <c:formatCode>General</c:formatCode>
-                <c:ptCount val="49"/>
-                <c:pt idx="37">
-                  <c:v>27.420617195182736</c:v>
-                </c:pt>
+                <c:ptCount val="50"/>
                 <c:pt idx="38">
-                  <c:v>27.777895243615756</c:v>
+                  <c:v>27.982605847786612</c:v>
                 </c:pt>
                 <c:pt idx="39">
-                  <c:v>28.13390372604831</c:v>
+                  <c:v>28.521061322622618</c:v>
                 </c:pt>
                 <c:pt idx="40">
-                  <c:v>28.488741585191853</c:v>
+                  <c:v>29.045563683296855</c:v>
                 </c:pt>
                 <c:pt idx="41">
-                  <c:v>28.842497698129044</c:v>
+                  <c:v>29.55840334745735</c:v>
                 </c:pt>
                 <c:pt idx="42">
-                  <c:v>29.19525221912706</c:v>
+                  <c:v>30.06132425858806</c:v>
                 </c:pt>
                 <c:pt idx="43">
-                  <c:v>29.547077702008206</c:v>
+                  <c:v>30.555690000959103</c:v>
                 </c:pt>
                 <c:pt idx="44">
-                  <c:v>29.89804004465769</c:v>
+                  <c:v>31.042590199617738</c:v>
                 </c:pt>
                 <c:pt idx="45">
-                  <c:v>30.24819928886677</c:v>
+                  <c:v>31.52291150656325</c:v>
                 </c:pt>
                 <c:pt idx="46">
-                  <c:v>30.597610301634</c:v>
+                  <c:v>31.997386588109574</c:v>
                 </c:pt>
                 <c:pt idx="47">
-                  <c:v>30.94632335865592</c:v>
+                  <c:v>32.466628908389154</c:v>
                 </c:pt>
                 <c:pt idx="48">
-                  <c:v>31.294384646590053</c:v>
+                  <c:v>32.93115803684303</c:v>
+                </c:pt>
+                <c:pt idx="49">
+                  <c:v>33.39141845374351</c:v>
                 </c:pt>
               </c:numCache>
             </c:numRef>
@@ -4092,10 +4149,10 @@
           </c:marker>
           <c:cat>
             <c:numRef>
-              <c:f>Sheet1!$A$2:$A$50</c:f>
+              <c:f>Sheet1!$A$2:$A$51</c:f>
               <c:numCache>
                 <c:formatCode>yyyy\-mm\-dd</c:formatCode>
-                <c:ptCount val="49"/>
+                <c:ptCount val="50"/>
                 <c:pt idx="0">
                   <c:v>42552.0</c:v>
                 </c:pt>
@@ -4242,51 +4299,54 @@
                 </c:pt>
                 <c:pt idx="48">
                   <c:v>44013.0</c:v>
+                </c:pt>
+                <c:pt idx="49">
+                  <c:v>44044.0</c:v>
                 </c:pt>
               </c:numCache>
             </c:numRef>
           </c:cat>
           <c:val>
             <c:numRef>
-              <c:f>Sheet1!$E$2:$E$50</c:f>
+              <c:f>Sheet1!$E$2:$E$51</c:f>
               <c:numCache>
                 <c:formatCode>General</c:formatCode>
-                <c:ptCount val="49"/>
-                <c:pt idx="37">
-                  <c:v>19.68143123099496</c:v>
-                </c:pt>
+                <c:ptCount val="50"/>
                 <c:pt idx="38">
-                  <c:v>19.856249929087056</c:v>
+                  <c:v>20.125533267419872</c:v>
                 </c:pt>
                 <c:pt idx="39">
-                  <c:v>20.033043860477754</c:v>
+                  <c:v>20.13309776930526</c:v>
                 </c:pt>
                 <c:pt idx="40">
-                  <c:v>20.211709119940483</c:v>
+                  <c:v>20.155333598194876</c:v>
                 </c:pt>
                 <c:pt idx="41">
-                  <c:v>20.392151934569792</c:v>
+                  <c:v>20.189947762683037</c:v>
                 </c:pt>
                 <c:pt idx="42">
-                  <c:v>20.574287319865125</c:v>
+                  <c:v>20.235193730942736</c:v>
                 </c:pt>
                 <c:pt idx="43">
-                  <c:v>20.758037956269195</c:v>
+                  <c:v>20.2897053175147</c:v>
                 </c:pt>
                 <c:pt idx="44">
-                  <c:v>20.94333324358188</c:v>
+                  <c:v>20.352390284963683</c:v>
                 </c:pt>
                 <c:pt idx="45">
-                  <c:v>21.130108500051865</c:v>
+                  <c:v>20.42235935926324</c:v>
                 </c:pt>
                 <c:pt idx="46">
-                  <c:v>21.318304280023906</c:v>
+                  <c:v>20.498877243909266</c:v>
                 </c:pt>
                 <c:pt idx="47">
-                  <c:v>21.507865789411134</c:v>
+                  <c:v>20.58132783781287</c:v>
                 </c:pt>
                 <c:pt idx="48">
-                  <c:v>21.69874238240962</c:v>
+                  <c:v>20.669188929131455</c:v>
+                </c:pt>
+                <c:pt idx="49">
+                  <c:v>20.76201339099528</c:v>
                 </c:pt>
               </c:numCache>
             </c:numRef>
@@ -4396,10 +4456,10 @@
           </c:marker>
           <c:cat>
             <c:numRef>
-              <c:f>Sheet1!$A$2:$A$50</c:f>
+              <c:f>Sheet1!$A$2:$A$51</c:f>
               <c:numCache>
                 <c:formatCode>yyyy\-mm\-dd</c:formatCode>
-                <c:ptCount val="49"/>
+                <c:ptCount val="50"/>
                 <c:pt idx="0">
                   <c:v>42552.0</c:v>
                 </c:pt>
@@ -4546,16 +4606,19 @@
                 </c:pt>
                 <c:pt idx="48">
                   <c:v>44013.0</c:v>
+                </c:pt>
+                <c:pt idx="49">
+                  <c:v>44044.0</c:v>
                 </c:pt>
               </c:numCache>
             </c:numRef>
           </c:cat>
           <c:val>
             <c:numRef>
-              <c:f>Sheet1!$B$2:$B$50</c:f>
+              <c:f>Sheet1!$B$2:$B$51</c:f>
               <c:numCache>
                 <c:formatCode>General</c:formatCode>
-                <c:ptCount val="49"/>
+                <c:ptCount val="50"/>
                 <c:pt idx="0">
                   <c:v>1114.0</c:v>
                 </c:pt>
@@ -4666,6 +4729,9 @@
                 </c:pt>
                 <c:pt idx="36">
                   <c:v>340.0</c:v>
+                </c:pt>
+                <c:pt idx="37">
+                  <c:v>787.0</c:v>
                 </c:pt>
               </c:numCache>
             </c:numRef>
@@ -4691,10 +4757,10 @@
           </c:marker>
           <c:cat>
             <c:numRef>
-              <c:f>Sheet1!$A$2:$A$50</c:f>
+              <c:f>Sheet1!$A$2:$A$51</c:f>
               <c:numCache>
                 <c:formatCode>yyyy\-mm\-dd</c:formatCode>
-                <c:ptCount val="49"/>
+                <c:ptCount val="50"/>
                 <c:pt idx="0">
                   <c:v>42552.0</c:v>
                 </c:pt>
@@ -4841,51 +4907,54 @@
                 </c:pt>
                 <c:pt idx="48">
                   <c:v>44013.0</c:v>
+                </c:pt>
+                <c:pt idx="49">
+                  <c:v>44044.0</c:v>
                 </c:pt>
               </c:numCache>
             </c:numRef>
           </c:cat>
           <c:val>
             <c:numRef>
-              <c:f>Sheet1!$C$2:$C$50</c:f>
+              <c:f>Sheet1!$C$2:$C$51</c:f>
               <c:numCache>
                 <c:formatCode>General</c:formatCode>
-                <c:ptCount val="49"/>
-                <c:pt idx="37">
-                  <c:v>480.55915517378276</c:v>
-                </c:pt>
+                <c:ptCount val="50"/>
                 <c:pt idx="38">
-                  <c:v>501.66723038067823</c:v>
+                  <c:v>717.9077714644626</c:v>
                 </c:pt>
                 <c:pt idx="39">
-                  <c:v>520.6281866661348</c:v>
+                  <c:v>715.1128936128443</c:v>
                 </c:pt>
                 <c:pt idx="40">
-                  <c:v>537.5861002567668</c:v>
+                  <c:v>712.7020058239491</c:v>
                 </c:pt>
                 <c:pt idx="41">
-                  <c:v>552.6957836051984</c:v>
+                  <c:v>710.621579522955</c:v>
                 </c:pt>
                 <c:pt idx="42">
-                  <c:v>566.115339971349</c:v>
+                  <c:v>708.8257408960535</c:v>
                 </c:pt>
                 <c:pt idx="43">
-                  <c:v>578.0007919843863</c:v>
+                  <c:v>707.2751285741055</c:v>
                 </c:pt>
                 <c:pt idx="44">
-                  <c:v>588.5023634717637</c:v>
+                  <c:v>705.9359333326267</c:v>
                 </c:pt>
                 <c:pt idx="45">
-                  <c:v>597.7620478959423</c:v>
+                  <c:v>704.7790881009466</c:v>
                 </c:pt>
                 <c:pt idx="46">
-                  <c:v>605.9121554773405</c:v>
+                  <c:v>703.7795826979972</c:v>
                 </c:pt>
                 <c:pt idx="47">
-                  <c:v>613.0745876092745</c:v>
+                  <c:v>702.9158825287342</c:v>
                 </c:pt>
                 <c:pt idx="48">
-                  <c:v>619.3606379785921</c:v>
+                  <c:v>702.1694342874669</c:v>
+                </c:pt>
+                <c:pt idx="49">
+                  <c:v>701.5242447508965</c:v>
                 </c:pt>
               </c:numCache>
             </c:numRef>
@@ -4911,10 +4980,10 @@
           </c:marker>
           <c:cat>
             <c:numRef>
-              <c:f>Sheet1!$A$2:$A$50</c:f>
+              <c:f>Sheet1!$A$2:$A$51</c:f>
               <c:numCache>
                 <c:formatCode>yyyy\-mm\-dd</c:formatCode>
-                <c:ptCount val="49"/>
+                <c:ptCount val="50"/>
                 <c:pt idx="0">
                   <c:v>42552.0</c:v>
                 </c:pt>
@@ -5061,51 +5130,54 @@
                 </c:pt>
                 <c:pt idx="48">
                   <c:v>44013.0</c:v>
+                </c:pt>
+                <c:pt idx="49">
+                  <c:v>44044.0</c:v>
                 </c:pt>
               </c:numCache>
             </c:numRef>
           </c:cat>
           <c:val>
             <c:numRef>
-              <c:f>Sheet1!$D$2:$D$50</c:f>
+              <c:f>Sheet1!$D$2:$D$51</c:f>
               <c:numCache>
                 <c:formatCode>General</c:formatCode>
-                <c:ptCount val="49"/>
-                <c:pt idx="37">
-                  <c:v>959.5105243338728</c:v>
-                </c:pt>
+                <c:ptCount val="50"/>
                 <c:pt idx="38">
-                  <c:v>1113.0630945547537</c:v>
+                  <c:v>1357.9537986095875</c:v>
                 </c:pt>
                 <c:pt idx="39">
-                  <c:v>1237.0276168632563</c:v>
+                  <c:v>1487.733337500485</c:v>
                 </c:pt>
                 <c:pt idx="40">
-                  <c:v>1338.029424483399</c:v>
+                  <c:v>1579.7276661493659</c:v>
                 </c:pt>
                 <c:pt idx="41">
-                  <c:v>1420.6921463446515</c:v>
+                  <c:v>1646.0677265734837</c:v>
                 </c:pt>
                 <c:pt idx="42">
-                  <c:v>1488.5525204194296</c:v>
+                  <c:v>1694.2904674201015</c:v>
                 </c:pt>
                 <c:pt idx="43">
-                  <c:v>1544.4109309949183</c:v>
+                  <c:v>1729.4731437938335</c:v>
                 </c:pt>
                 <c:pt idx="44">
-                  <c:v>1590.513844129291</c:v>
+                  <c:v>1755.1747864636204</c:v>
                 </c:pt>
                 <c:pt idx="45">
-                  <c:v>1628.672047554048</c:v>
+                  <c:v>1773.9443751735446</c:v>
                 </c:pt>
                 <c:pt idx="46">
-                  <c:v>1660.3476623738477</c:v>
+                  <c:v>1787.630259646084</c:v>
                 </c:pt>
                 <c:pt idx="47">
-                  <c:v>1686.72217907647</c:v>
+                  <c:v>1797.5827663861862</c:v>
                 </c:pt>
                 <c:pt idx="48">
-                  <c:v>1708.7509831766233</c:v>
+                  <c:v>1804.7928908300198</c:v>
+                </c:pt>
+                <c:pt idx="49">
+                  <c:v>1809.9899069957394</c:v>
                 </c:pt>
               </c:numCache>
             </c:numRef>
@@ -5131,10 +5203,10 @@
           </c:marker>
           <c:cat>
             <c:numRef>
-              <c:f>Sheet1!$A$2:$A$50</c:f>
+              <c:f>Sheet1!$A$2:$A$51</c:f>
               <c:numCache>
                 <c:formatCode>yyyy\-mm\-dd</c:formatCode>
-                <c:ptCount val="49"/>
+                <c:ptCount val="50"/>
                 <c:pt idx="0">
                   <c:v>42552.0</c:v>
                 </c:pt>
@@ -5281,51 +5353,54 @@
                 </c:pt>
                 <c:pt idx="48">
                   <c:v>44013.0</c:v>
+                </c:pt>
+                <c:pt idx="49">
+                  <c:v>44044.0</c:v>
                 </c:pt>
               </c:numCache>
             </c:numRef>
           </c:cat>
           <c:val>
             <c:numRef>
-              <c:f>Sheet1!$E$2:$E$50</c:f>
+              <c:f>Sheet1!$E$2:$E$51</c:f>
               <c:numCache>
                 <c:formatCode>General</c:formatCode>
-                <c:ptCount val="49"/>
-                <c:pt idx="37">
-                  <c:v>129.04604111279642</c:v>
-                </c:pt>
+                <c:ptCount val="50"/>
                 <c:pt idx="38">
-                  <c:v>115.11873524175743</c:v>
+                  <c:v>224.8182283681866</c:v>
                 </c:pt>
                 <c:pt idx="39">
-                  <c:v>107.54549103003944</c:v>
+                  <c:v>191.33875861593245</c:v>
                 </c:pt>
                 <c:pt idx="40">
-                  <c:v>103.31887298091299</c:v>
+                  <c:v>170.679531358508</c:v>
                 </c:pt>
                 <c:pt idx="41">
-                  <c:v>101.03866652741056</c:v>
+                  <c:v>157.05861357124192</c:v>
                 </c:pt>
                 <c:pt idx="42">
-                  <c:v>99.95322146933995</c:v>
+                  <c:v>147.69981929223704</c:v>
                 </c:pt>
                 <c:pt idx="43">
-                  <c:v>99.62050596869558</c:v>
+                  <c:v>141.08718835728632</c:v>
                 </c:pt>
                 <c:pt idx="44">
-                  <c:v>99.7641760580228</c:v>
+                  <c:v>136.32068461948825</c:v>
                 </c:pt>
                 <c:pt idx="45">
-                  <c:v>100.20430950162613</c:v>
+                  <c:v>132.8335212646266</c:v>
                 </c:pt>
                 <c:pt idx="46">
-                  <c:v>100.8207703110826</c:v>
+                  <c:v>130.25297521958393</c:v>
                 </c:pt>
                 <c:pt idx="47">
-                  <c:v>101.53230722060957</c:v>
+                  <c:v>128.32582274245001</c:v>
                 </c:pt>
                 <c:pt idx="48">
-                  <c:v>102.2838600139888</c:v>
+                  <c:v>126.87569745186525</c:v>
+                </c:pt>
+                <c:pt idx="49">
+                  <c:v>125.77739121820653</c:v>
                 </c:pt>
               </c:numCache>
             </c:numRef>
@@ -5435,10 +5510,10 @@
           </c:marker>
           <c:cat>
             <c:numRef>
-              <c:f>Sheet1!$A$2:$A$50</c:f>
+              <c:f>Sheet1!$A$2:$A$51</c:f>
               <c:numCache>
                 <c:formatCode>yyyy\-mm\-dd</c:formatCode>
-                <c:ptCount val="49"/>
+                <c:ptCount val="50"/>
                 <c:pt idx="0">
                   <c:v>42552.0</c:v>
                 </c:pt>
@@ -5585,16 +5660,19 @@
                 </c:pt>
                 <c:pt idx="48">
                   <c:v>44013.0</c:v>
+                </c:pt>
+                <c:pt idx="49">
+                  <c:v>44044.0</c:v>
                 </c:pt>
               </c:numCache>
             </c:numRef>
           </c:cat>
           <c:val>
             <c:numRef>
-              <c:f>Sheet1!$B$2:$B$50</c:f>
+              <c:f>Sheet1!$B$2:$B$51</c:f>
               <c:numCache>
                 <c:formatCode>General</c:formatCode>
-                <c:ptCount val="49"/>
+                <c:ptCount val="50"/>
                 <c:pt idx="0">
                   <c:v>513.0</c:v>
                 </c:pt>
@@ -5705,6 +5783,9 @@
                 </c:pt>
                 <c:pt idx="36">
                   <c:v>434.0</c:v>
+                </c:pt>
+                <c:pt idx="37">
+                  <c:v>286.0</c:v>
                 </c:pt>
               </c:numCache>
             </c:numRef>
@@ -5730,10 +5811,10 @@
           </c:marker>
           <c:cat>
             <c:numRef>
-              <c:f>Sheet1!$A$2:$A$50</c:f>
+              <c:f>Sheet1!$A$2:$A$51</c:f>
               <c:numCache>
                 <c:formatCode>yyyy\-mm\-dd</c:formatCode>
-                <c:ptCount val="49"/>
+                <c:ptCount val="50"/>
                 <c:pt idx="0">
                   <c:v>42552.0</c:v>
                 </c:pt>
@@ -5880,51 +5961,54 @@
                 </c:pt>
                 <c:pt idx="48">
                   <c:v>44013.0</c:v>
+                </c:pt>
+                <c:pt idx="49">
+                  <c:v>44044.0</c:v>
                 </c:pt>
               </c:numCache>
             </c:numRef>
           </c:cat>
           <c:val>
             <c:numRef>
-              <c:f>Sheet1!$C$2:$C$50</c:f>
+              <c:f>Sheet1!$C$2:$C$51</c:f>
               <c:numCache>
                 <c:formatCode>General</c:formatCode>
-                <c:ptCount val="49"/>
-                <c:pt idx="37">
-                  <c:v>347.8635413995789</c:v>
-                </c:pt>
+                <c:ptCount val="50"/>
                 <c:pt idx="38">
-                  <c:v>347.8635413995789</c:v>
+                  <c:v>336.70578435409845</c:v>
                 </c:pt>
                 <c:pt idx="39">
-                  <c:v>347.8635413995789</c:v>
+                  <c:v>336.70578435409845</c:v>
                 </c:pt>
                 <c:pt idx="40">
-                  <c:v>347.8635413995789</c:v>
+                  <c:v>336.70578435409845</c:v>
                 </c:pt>
                 <c:pt idx="41">
-                  <c:v>347.8635413995789</c:v>
+                  <c:v>336.70578435409845</c:v>
                 </c:pt>
                 <c:pt idx="42">
-                  <c:v>347.8635413995789</c:v>
+                  <c:v>336.70578435409845</c:v>
                 </c:pt>
                 <c:pt idx="43">
-                  <c:v>347.8635413995789</c:v>
+                  <c:v>336.70578435409845</c:v>
                 </c:pt>
                 <c:pt idx="44">
-                  <c:v>347.8635413995789</c:v>
+                  <c:v>336.70578435409845</c:v>
                 </c:pt>
                 <c:pt idx="45">
-                  <c:v>347.8635413995789</c:v>
+                  <c:v>336.70578435409845</c:v>
                 </c:pt>
                 <c:pt idx="46">
-                  <c:v>347.8635413995789</c:v>
+                  <c:v>336.70578435409845</c:v>
                 </c:pt>
                 <c:pt idx="47">
-                  <c:v>347.8635413995789</c:v>
+                  <c:v>336.70578435409845</c:v>
                 </c:pt>
                 <c:pt idx="48">
-                  <c:v>347.8635413995789</c:v>
+                  <c:v>336.70578435409845</c:v>
+                </c:pt>
+                <c:pt idx="49">
+                  <c:v>336.70578435409845</c:v>
                 </c:pt>
               </c:numCache>
             </c:numRef>
@@ -5950,10 +6034,10 @@
           </c:marker>
           <c:cat>
             <c:numRef>
-              <c:f>Sheet1!$A$2:$A$50</c:f>
+              <c:f>Sheet1!$A$2:$A$51</c:f>
               <c:numCache>
                 <c:formatCode>yyyy\-mm\-dd</c:formatCode>
-                <c:ptCount val="49"/>
+                <c:ptCount val="50"/>
                 <c:pt idx="0">
                   <c:v>42552.0</c:v>
                 </c:pt>
@@ -6100,51 +6184,54 @@
                 </c:pt>
                 <c:pt idx="48">
                   <c:v>44013.0</c:v>
+                </c:pt>
+                <c:pt idx="49">
+                  <c:v>44044.0</c:v>
                 </c:pt>
               </c:numCache>
             </c:numRef>
           </c:cat>
           <c:val>
             <c:numRef>
-              <c:f>Sheet1!$D$2:$D$50</c:f>
+              <c:f>Sheet1!$D$2:$D$51</c:f>
               <c:numCache>
                 <c:formatCode>General</c:formatCode>
-                <c:ptCount val="49"/>
-                <c:pt idx="37">
-                  <c:v>517.8323413424137</c:v>
-                </c:pt>
+                <c:ptCount val="50"/>
                 <c:pt idx="38">
-                  <c:v>525.4352761837586</c:v>
+                  <c:v>504.2726718151413</c:v>
                 </c:pt>
                 <c:pt idx="39">
-                  <c:v>532.9074823421684</c:v>
+                  <c:v>511.7875860978622</c:v>
                 </c:pt>
                 <c:pt idx="40">
-                  <c:v>540.2614112636405</c:v>
+                  <c:v>519.1848345819503</c:v>
                 </c:pt>
                 <c:pt idx="41">
-                  <c:v>547.5078047595584</c:v>
+                  <c:v>526.4758103252099</c:v>
                 </c:pt>
                 <c:pt idx="42">
-                  <c:v>554.6560048774742</c:v>
+                  <c:v>533.6703664338934</c:v>
                 </c:pt>
                 <c:pt idx="43">
-                  <c:v>561.7141952390941</c:v>
+                  <c:v>540.7770909748541</c:v>
                 </c:pt>
                 <c:pt idx="44">
-                  <c:v>568.6895914912172</c:v>
+                  <c:v>547.8035219824174</c:v>
                 </c:pt>
                 <c:pt idx="45">
-                  <c:v>575.5885933873203</c:v>
+                  <c:v>554.7563177642023</c:v>
                 </c:pt>
                 <c:pt idx="46">
-                  <c:v>582.4169075352117</c:v>
+                  <c:v>561.641393353109</c:v>
                 </c:pt>
                 <c:pt idx="47">
-                  <c:v>589.1796474357568</c:v>
+                  <c:v>568.4640309738213</c:v>
                 </c:pt>
                 <c:pt idx="48">
-                  <c:v>595.8814157398201</c:v>
+                  <c:v>575.2289703204187</c:v>
+                </c:pt>
+                <c:pt idx="49">
+                  <c:v>581.9404829728055</c:v>
                 </c:pt>
               </c:numCache>
             </c:numRef>
@@ -6170,10 +6257,10 @@
           </c:marker>
           <c:cat>
             <c:numRef>
-              <c:f>Sheet1!$A$2:$A$50</c:f>
+              <c:f>Sheet1!$A$2:$A$51</c:f>
               <c:numCache>
                 <c:formatCode>yyyy\-mm\-dd</c:formatCode>
-                <c:ptCount val="49"/>
+                <c:ptCount val="50"/>
                 <c:pt idx="0">
                   <c:v>42552.0</c:v>
                 </c:pt>
@@ -6320,51 +6407,54 @@
                 </c:pt>
                 <c:pt idx="48">
                   <c:v>44013.0</c:v>
+                </c:pt>
+                <c:pt idx="49">
+                  <c:v>44044.0</c:v>
                 </c:pt>
               </c:numCache>
             </c:numRef>
           </c:cat>
           <c:val>
             <c:numRef>
-              <c:f>Sheet1!$E$2:$E$50</c:f>
+              <c:f>Sheet1!$E$2:$E$51</c:f>
               <c:numCache>
                 <c:formatCode>General</c:formatCode>
-                <c:ptCount val="49"/>
-                <c:pt idx="37">
-                  <c:v>205.56751608825473</c:v>
-                </c:pt>
+                <c:ptCount val="50"/>
                 <c:pt idx="38">
-                  <c:v>202.43547799147953</c:v>
+                  <c:v>198.18941713953927</c:v>
                 </c:pt>
                 <c:pt idx="39">
-                  <c:v>199.44181444155993</c:v>
+                  <c:v>195.27012700825924</c:v>
                 </c:pt>
                 <c:pt idx="40">
-                  <c:v>196.5740799983729</c:v>
+                  <c:v>192.47894108772215</c:v>
                 </c:pt>
                 <c:pt idx="41">
-                  <c:v>193.82153885886626</c:v>
+                  <c:v>189.8044804686823</c:v>
                 </c:pt>
                 <c:pt idx="42">
-                  <c:v>191.1748549862751</c:v>
+                  <c:v>187.23690620706097</c:v>
                 </c:pt>
                 <c:pt idx="43">
-                  <c:v>188.62585077213825</c:v>
+                  <c:v>184.7676444116811</c:v>
                 </c:pt>
                 <c:pt idx="44">
-                  <c:v>186.16731658535105</c:v>
+                  <c:v>182.38917123751438</c:v>
                 </c:pt>
                 <c:pt idx="45">
-                  <c:v>183.79285869059368</c:v>
+                  <c:v>180.0948425797382</c:v>
                 </c:pt>
                 <c:pt idx="46">
-                  <c:v>181.49677650067073</c:v>
+                  <c:v>177.87875762196182</c:v>
                 </c:pt>
                 <c:pt idx="47">
-                  <c:v>179.27396253778863</c:v>
+                  <c:v>175.73564836950342</c:v>
                 </c:pt>
                 <c:pt idx="48">
-                  <c:v>177.11982017660827</c:v>
+                  <c:v>173.660789371973</c:v>
+                </c:pt>
+                <c:pt idx="49">
+                  <c:v>171.64992330669662</c:v>
                 </c:pt>
               </c:numCache>
             </c:numRef>
@@ -7078,10 +7168,10 @@
           </c:marker>
           <c:cat>
             <c:numRef>
-              <c:f>Sheet1!$A$2:$A$50</c:f>
+              <c:f>Sheet1!$A$2:$A$51</c:f>
               <c:numCache>
                 <c:formatCode>yyyy\-mm\-dd</c:formatCode>
-                <c:ptCount val="49"/>
+                <c:ptCount val="50"/>
                 <c:pt idx="0">
                   <c:v>42552.0</c:v>
                 </c:pt>
@@ -7228,16 +7318,19 @@
                 </c:pt>
                 <c:pt idx="48">
                   <c:v>44013.0</c:v>
+                </c:pt>
+                <c:pt idx="49">
+                  <c:v>44044.0</c:v>
                 </c:pt>
               </c:numCache>
             </c:numRef>
           </c:cat>
           <c:val>
             <c:numRef>
-              <c:f>Sheet1!$B$2:$B$50</c:f>
+              <c:f>Sheet1!$B$2:$B$51</c:f>
               <c:numCache>
                 <c:formatCode>General</c:formatCode>
-                <c:ptCount val="49"/>
+                <c:ptCount val="50"/>
                 <c:pt idx="0">
                   <c:v>3882.0</c:v>
                 </c:pt>
@@ -7305,7 +7398,7 @@
                   <c:v>4133.0</c:v>
                 </c:pt>
                 <c:pt idx="22">
-                  <c:v>4508.0</c:v>
+                  <c:v>4507.0</c:v>
                 </c:pt>
                 <c:pt idx="23">
                   <c:v>3045.0</c:v>
@@ -7317,7 +7410,7 @@
                   <c:v>3344.0</c:v>
                 </c:pt>
                 <c:pt idx="26">
-                  <c:v>4265.0</c:v>
+                  <c:v>4259.0</c:v>
                 </c:pt>
                 <c:pt idx="27">
                   <c:v>3526.0</c:v>
@@ -7348,6 +7441,9 @@
                 </c:pt>
                 <c:pt idx="36">
                   <c:v>4050.0</c:v>
+                </c:pt>
+                <c:pt idx="37">
+                  <c:v>3343.0</c:v>
                 </c:pt>
               </c:numCache>
             </c:numRef>
@@ -7373,10 +7469,10 @@
           </c:marker>
           <c:cat>
             <c:numRef>
-              <c:f>Sheet1!$A$2:$A$50</c:f>
+              <c:f>Sheet1!$A$2:$A$51</c:f>
               <c:numCache>
                 <c:formatCode>yyyy\-mm\-dd</c:formatCode>
-                <c:ptCount val="49"/>
+                <c:ptCount val="50"/>
                 <c:pt idx="0">
                   <c:v>42552.0</c:v>
                 </c:pt>
@@ -7523,51 +7619,54 @@
                 </c:pt>
                 <c:pt idx="48">
                   <c:v>44013.0</c:v>
+                </c:pt>
+                <c:pt idx="49">
+                  <c:v>44044.0</c:v>
                 </c:pt>
               </c:numCache>
             </c:numRef>
           </c:cat>
           <c:val>
             <c:numRef>
-              <c:f>Sheet1!$C$2:$C$50</c:f>
+              <c:f>Sheet1!$C$2:$C$51</c:f>
               <c:numCache>
                 <c:formatCode>General</c:formatCode>
-                <c:ptCount val="49"/>
-                <c:pt idx="37">
-                  <c:v>3960.6759308227993</c:v>
-                </c:pt>
+                <c:ptCount val="50"/>
                 <c:pt idx="38">
-                  <c:v>3979.688528413787</c:v>
+                  <c:v>3690.524130007751</c:v>
                 </c:pt>
                 <c:pt idx="39">
-                  <c:v>4018.58775335211</c:v>
+                  <c:v>3854.5125454146005</c:v>
                 </c:pt>
                 <c:pt idx="40">
-                  <c:v>4057.867322733166</c:v>
+                  <c:v>3890.3441569429037</c:v>
                 </c:pt>
                 <c:pt idx="41">
-                  <c:v>4097.530956683733</c:v>
+                  <c:v>3926.5082707296747</c:v>
                 </c:pt>
                 <c:pt idx="42">
-                  <c:v>4137.582411724871</c:v>
+                  <c:v>3963.007966790408</c:v>
                 </c:pt>
                 <c:pt idx="43">
-                  <c:v>4178.025481133615</c:v>
+                  <c:v>3999.8463536200934</c:v>
                 </c:pt>
                 <c:pt idx="44">
-                  <c:v>4218.863995301352</c:v>
+                  <c:v>4037.026568458088</c:v>
                 </c:pt>
                 <c:pt idx="45">
-                  <c:v>4260.101822095629</c:v>
+                  <c:v>4074.551777550431</c:v>
                 </c:pt>
                 <c:pt idx="46">
-                  <c:v>4301.742867232734</c:v>
+                  <c:v>4112.425176419574</c:v>
                 </c:pt>
                 <c:pt idx="47">
-                  <c:v>4343.791074639476</c:v>
+                  <c:v>4150.649990134099</c:v>
                 </c:pt>
                 <c:pt idx="48">
-                  <c:v>4386.250426832947</c:v>
+                  <c:v>4189.229473580893</c:v>
+                </c:pt>
+                <c:pt idx="49">
+                  <c:v>4228.16691174245</c:v>
                 </c:pt>
               </c:numCache>
             </c:numRef>
@@ -7593,10 +7692,10 @@
           </c:marker>
           <c:cat>
             <c:numRef>
-              <c:f>Sheet1!$A$2:$A$50</c:f>
+              <c:f>Sheet1!$A$2:$A$51</c:f>
               <c:numCache>
                 <c:formatCode>yyyy\-mm\-dd</c:formatCode>
-                <c:ptCount val="49"/>
+                <c:ptCount val="50"/>
                 <c:pt idx="0">
                   <c:v>42552.0</c:v>
                 </c:pt>
@@ -7743,51 +7842,54 @@
                 </c:pt>
                 <c:pt idx="48">
                   <c:v>44013.0</c:v>
+                </c:pt>
+                <c:pt idx="49">
+                  <c:v>44044.0</c:v>
                 </c:pt>
               </c:numCache>
             </c:numRef>
           </c:cat>
           <c:val>
             <c:numRef>
-              <c:f>Sheet1!$D$2:$D$50</c:f>
+              <c:f>Sheet1!$D$2:$D$51</c:f>
               <c:numCache>
                 <c:formatCode>General</c:formatCode>
-                <c:ptCount val="49"/>
-                <c:pt idx="37">
-                  <c:v>4744.636094418566</c:v>
-                </c:pt>
+                <c:ptCount val="50"/>
                 <c:pt idx="38">
-                  <c:v>4857.5032996453</c:v>
+                  <c:v>4421.063261499706</c:v>
                 </c:pt>
                 <c:pt idx="39">
-                  <c:v>4927.28868105022</c:v>
+                  <c:v>4705.65824908124</c:v>
                 </c:pt>
                 <c:pt idx="40">
-                  <c:v>4997.607326232554</c:v>
+                  <c:v>4772.182759200707</c:v>
                 </c:pt>
                 <c:pt idx="41">
-                  <c:v>5068.481963133353</c:v>
+                  <c:v>4839.140986529879</c:v>
                 </c:pt>
                 <c:pt idx="42">
-                  <c:v>5139.933933328686</c:v>
+                  <c:v>4906.557028114308</c:v>
                 </c:pt>
                 <c:pt idx="43">
-                  <c:v>5211.983389940314</c:v>
+                  <c:v>4974.453244764499</c:v>
                 </c:pt>
                 <c:pt idx="44">
-                  <c:v>5284.649463402423</c:v>
+                  <c:v>5042.85051370307</c:v>
                 </c:pt>
                 <c:pt idx="45">
-                  <c:v>5357.950401253624</c:v>
+                  <c:v>5111.768438342688</c:v>
                 </c:pt>
                 <c:pt idx="46">
-                  <c:v>5431.903686753989</c:v>
+                  <c:v>5181.225523740701</c:v>
                 </c:pt>
                 <c:pt idx="47">
-                  <c:v>5506.526140140781</c:v>
+                  <c:v>5251.239324349408</c:v>
                 </c:pt>
                 <c:pt idx="48">
-                  <c:v>5581.834005519859</c:v>
+                  <c:v>5321.8265692143505</c:v>
+                </c:pt>
+                <c:pt idx="49">
+                  <c:v>5393.003268696001</c:v>
                 </c:pt>
               </c:numCache>
             </c:numRef>
@@ -7813,10 +7915,10 @@
           </c:marker>
           <c:cat>
             <c:numRef>
-              <c:f>Sheet1!$A$2:$A$50</c:f>
+              <c:f>Sheet1!$A$2:$A$51</c:f>
               <c:numCache>
                 <c:formatCode>yyyy\-mm\-dd</c:formatCode>
-                <c:ptCount val="49"/>
+                <c:ptCount val="50"/>
                 <c:pt idx="0">
                   <c:v>42552.0</c:v>
                 </c:pt>
@@ -7963,51 +8065,54 @@
                 </c:pt>
                 <c:pt idx="48">
                   <c:v>44013.0</c:v>
+                </c:pt>
+                <c:pt idx="49">
+                  <c:v>44044.0</c:v>
                 </c:pt>
               </c:numCache>
             </c:numRef>
           </c:cat>
           <c:val>
             <c:numRef>
-              <c:f>Sheet1!$E$2:$E$50</c:f>
+              <c:f>Sheet1!$E$2:$E$51</c:f>
               <c:numCache>
                 <c:formatCode>General</c:formatCode>
-                <c:ptCount val="49"/>
-                <c:pt idx="37">
-                  <c:v>3236.469058534574</c:v>
-                </c:pt>
+                <c:ptCount val="50"/>
                 <c:pt idx="38">
-                  <c:v>3191.6984732864034</c:v>
+                  <c:v>3015.5243960752637</c:v>
                 </c:pt>
                 <c:pt idx="39">
-                  <c:v>3208.306972803683</c:v>
+                  <c:v>3090.492153444334</c:v>
                 </c:pt>
                 <c:pt idx="40">
-                  <c:v>3225.3049473191113</c:v>
+                  <c:v>3104.3224744404624</c:v>
                 </c:pt>
                 <c:pt idx="41">
-                  <c:v>3242.679482572302</c:v>
+                  <c:v>3118.540288195823</c:v>
                 </c:pt>
                 <c:pt idx="42">
-                  <c:v>3260.4191546486845</c:v>
+                  <c:v>3133.129827110441</c:v>
                 </c:pt>
                 <c:pt idx="43">
-                  <c:v>3278.51383317904</c:v>
+                  <c:v>3148.0771437317876</c:v>
                 </c:pt>
                 <c:pt idx="44">
-                  <c:v>3296.9545166726284</c:v>
+                  <c:v>3163.3698589481946</c:v>
                 </c:pt>
                 <c:pt idx="45">
-                  <c:v>3315.7331938562857</c:v>
+                  <c:v>3178.9969530588405</c:v>
                 </c:pt>
                 <c:pt idx="46">
-                  <c:v>3334.842726180137</c:v>
+                  <c:v>3194.948591174454</c:v>
                 </c:pt>
                 <c:pt idx="47">
-                  <c:v>3354.276747718469</c:v>
+                  <c:v>3211.2159763347263</c:v>
                 </c:pt>
                 <c:pt idx="48">
-                  <c:v>3374.0295794241965</c:v>
+                  <c:v>3227.7912251825587</c:v>
+                </c:pt>
+                <c:pt idx="49">
+                  <c:v>3244.6672621271664</c:v>
                 </c:pt>
               </c:numCache>
             </c:numRef>
@@ -8117,10 +8222,10 @@
           </c:marker>
           <c:cat>
             <c:numRef>
-              <c:f>Sheet1!$A$2:$A$50</c:f>
+              <c:f>Sheet1!$A$2:$A$51</c:f>
               <c:numCache>
                 <c:formatCode>yyyy\-mm\-dd</c:formatCode>
-                <c:ptCount val="49"/>
+                <c:ptCount val="50"/>
                 <c:pt idx="0">
                   <c:v>42552.0</c:v>
                 </c:pt>
@@ -8267,16 +8372,19 @@
                 </c:pt>
                 <c:pt idx="48">
                   <c:v>44013.0</c:v>
+                </c:pt>
+                <c:pt idx="49">
+                  <c:v>44044.0</c:v>
                 </c:pt>
               </c:numCache>
             </c:numRef>
           </c:cat>
           <c:val>
             <c:numRef>
-              <c:f>Sheet1!$B$2:$B$50</c:f>
+              <c:f>Sheet1!$B$2:$B$51</c:f>
               <c:numCache>
                 <c:formatCode>General</c:formatCode>
-                <c:ptCount val="49"/>
+                <c:ptCount val="50"/>
                 <c:pt idx="0">
                   <c:v>45.0</c:v>
                 </c:pt>
@@ -8387,6 +8495,9 @@
                 </c:pt>
                 <c:pt idx="36">
                   <c:v>27.0</c:v>
+                </c:pt>
+                <c:pt idx="37">
+                  <c:v>24.0</c:v>
                 </c:pt>
               </c:numCache>
             </c:numRef>
@@ -8412,10 +8523,10 @@
           </c:marker>
           <c:cat>
             <c:numRef>
-              <c:f>Sheet1!$A$2:$A$50</c:f>
+              <c:f>Sheet1!$A$2:$A$51</c:f>
               <c:numCache>
                 <c:formatCode>yyyy\-mm\-dd</c:formatCode>
-                <c:ptCount val="49"/>
+                <c:ptCount val="50"/>
                 <c:pt idx="0">
                   <c:v>42552.0</c:v>
                 </c:pt>
@@ -8562,51 +8673,54 @@
                 </c:pt>
                 <c:pt idx="48">
                   <c:v>44013.0</c:v>
+                </c:pt>
+                <c:pt idx="49">
+                  <c:v>44044.0</c:v>
                 </c:pt>
               </c:numCache>
             </c:numRef>
           </c:cat>
           <c:val>
             <c:numRef>
-              <c:f>Sheet1!$C$2:$C$50</c:f>
+              <c:f>Sheet1!$C$2:$C$51</c:f>
               <c:numCache>
                 <c:formatCode>General</c:formatCode>
-                <c:ptCount val="49"/>
-                <c:pt idx="37">
-                  <c:v>46.45461363495836</c:v>
-                </c:pt>
+                <c:ptCount val="50"/>
                 <c:pt idx="38">
-                  <c:v>46.45461363495836</c:v>
+                  <c:v>30.57549644360818</c:v>
                 </c:pt>
                 <c:pt idx="39">
-                  <c:v>46.45461363495836</c:v>
+                  <c:v>30.57549644360818</c:v>
                 </c:pt>
                 <c:pt idx="40">
-                  <c:v>46.45461363495836</c:v>
+                  <c:v>30.57549644360818</c:v>
                 </c:pt>
                 <c:pt idx="41">
-                  <c:v>46.45461363495836</c:v>
+                  <c:v>30.57549644360818</c:v>
                 </c:pt>
                 <c:pt idx="42">
-                  <c:v>46.45461363495836</c:v>
+                  <c:v>30.57549644360818</c:v>
                 </c:pt>
                 <c:pt idx="43">
-                  <c:v>46.45461363495836</c:v>
+                  <c:v>30.57549644360818</c:v>
                 </c:pt>
                 <c:pt idx="44">
-                  <c:v>46.45461363495836</c:v>
+                  <c:v>30.57549644360818</c:v>
                 </c:pt>
                 <c:pt idx="45">
-                  <c:v>46.45461363495836</c:v>
+                  <c:v>30.57549644360818</c:v>
                 </c:pt>
                 <c:pt idx="46">
-                  <c:v>46.45461363495836</c:v>
+                  <c:v>30.57549644360818</c:v>
                 </c:pt>
                 <c:pt idx="47">
-                  <c:v>46.45461363495836</c:v>
+                  <c:v>30.57549644360818</c:v>
                 </c:pt>
                 <c:pt idx="48">
-                  <c:v>46.45461363495836</c:v>
+                  <c:v>30.57549644360818</c:v>
+                </c:pt>
+                <c:pt idx="49">
+                  <c:v>30.57549644360818</c:v>
                 </c:pt>
               </c:numCache>
             </c:numRef>
@@ -8632,10 +8746,10 @@
           </c:marker>
           <c:cat>
             <c:numRef>
-              <c:f>Sheet1!$A$2:$A$50</c:f>
+              <c:f>Sheet1!$A$2:$A$51</c:f>
               <c:numCache>
                 <c:formatCode>yyyy\-mm\-dd</c:formatCode>
-                <c:ptCount val="49"/>
+                <c:ptCount val="50"/>
                 <c:pt idx="0">
                   <c:v>42552.0</c:v>
                 </c:pt>
@@ -8782,51 +8896,54 @@
                 </c:pt>
                 <c:pt idx="48">
                   <c:v>44013.0</c:v>
+                </c:pt>
+                <c:pt idx="49">
+                  <c:v>44044.0</c:v>
                 </c:pt>
               </c:numCache>
             </c:numRef>
           </c:cat>
           <c:val>
             <c:numRef>
-              <c:f>Sheet1!$D$2:$D$50</c:f>
+              <c:f>Sheet1!$D$2:$D$51</c:f>
               <c:numCache>
                 <c:formatCode>General</c:formatCode>
-                <c:ptCount val="49"/>
-                <c:pt idx="37">
-                  <c:v>58.530498556433955</c:v>
-                </c:pt>
+                <c:ptCount val="50"/>
                 <c:pt idx="38">
-                  <c:v>59.19608707372326</c:v>
+                  <c:v>39.272451447551475</c:v>
                 </c:pt>
                 <c:pt idx="39">
-                  <c:v>59.81918151064684</c:v>
+                  <c:v>40.59935276668777</c:v>
                 </c:pt>
                 <c:pt idx="40">
-                  <c:v>60.40636114617185</c:v>
+                  <c:v>41.83348895364765</c:v>
                 </c:pt>
                 <c:pt idx="41">
-                  <c:v>60.96267964692394</c:v>
+                  <c:v>42.998836185124944</c:v>
                 </c:pt>
                 <c:pt idx="42">
-                  <c:v>61.49211752489124</c:v>
+                  <c:v>44.11079640677748</c:v>
                 </c:pt>
                 <c:pt idx="43">
-                  <c:v>61.99787558634617</c:v>
+                  <c:v>45.179951316562885</c:v>
                 </c:pt>
                 <c:pt idx="44">
-                  <c:v>62.48257273358014</c:v>
+                  <c:v>46.213936832868555</c:v>
                 </c:pt>
                 <c:pt idx="45">
-                  <c:v>62.94838364990109</c:v>
+                  <c:v>47.21847391209439</c:v>
                 </c:pt>
                 <c:pt idx="46">
-                  <c:v>63.397137284029526</c:v>
+                  <c:v>48.19797783772735</c:v>
                 </c:pt>
                 <c:pt idx="47">
-                  <c:v>63.83038896049293</c:v>
+                  <c:v>49.15593916809204</c:v>
                 </c:pt>
                 <c:pt idx="48">
-                  <c:v>64.24947426102446</c:v>
+                  <c:v>50.0951729008803</c:v>
+                </c:pt>
+                <c:pt idx="49">
+                  <c:v>51.01798758996925</c:v>
                 </c:pt>
               </c:numCache>
             </c:numRef>
@@ -8852,10 +8969,10 @@
           </c:marker>
           <c:cat>
             <c:numRef>
-              <c:f>Sheet1!$A$2:$A$50</c:f>
+              <c:f>Sheet1!$A$2:$A$51</c:f>
               <c:numCache>
                 <c:formatCode>yyyy\-mm\-dd</c:formatCode>
-                <c:ptCount val="49"/>
+                <c:ptCount val="50"/>
                 <c:pt idx="0">
                   <c:v>42552.0</c:v>
                 </c:pt>
@@ -9002,51 +9119,54 @@
                 </c:pt>
                 <c:pt idx="48">
                   <c:v>44013.0</c:v>
+                </c:pt>
+                <c:pt idx="49">
+                  <c:v>44044.0</c:v>
                 </c:pt>
               </c:numCache>
             </c:numRef>
           </c:cat>
           <c:val>
             <c:numRef>
-              <c:f>Sheet1!$E$2:$E$50</c:f>
+              <c:f>Sheet1!$E$2:$E$51</c:f>
               <c:numCache>
                 <c:formatCode>General</c:formatCode>
-                <c:ptCount val="49"/>
-                <c:pt idx="37">
-                  <c:v>33.279231970964105</c:v>
-                </c:pt>
+                <c:ptCount val="50"/>
                 <c:pt idx="38">
-                  <c:v>32.25730919339854</c:v>
+                  <c:v>22.77667113928296</c:v>
                 </c:pt>
                 <c:pt idx="39">
-                  <c:v>31.270752801263683</c:v>
+                  <c:v>22.029936498046606</c:v>
                 </c:pt>
                 <c:pt idx="40">
-                  <c:v>30.312590876461453</c:v>
+                  <c:v>21.377768086693685</c:v>
                 </c:pt>
                 <c:pt idx="41">
-                  <c:v>29.37734011320721</c:v>
+                  <c:v>20.79619301770531</c:v>
                 </c:pt>
                 <c:pt idx="42">
-                  <c:v>28.46054829309316</c:v>
+                  <c:v>20.269812638797244</c:v>
                 </c:pt>
                 <c:pt idx="43">
-                  <c:v>27.55849483952366</c:v>
+                  <c:v>19.788048549588336</c:v>
                 </c:pt>
                 <c:pt idx="44">
-                  <c:v>26.667985872438848</c:v>
+                  <c:v>19.343268133472385</c:v>
                 </c:pt>
                 <c:pt idx="45">
-                  <c:v>25.786207952482993</c:v>
+                  <c:v>18.929753740041413</c:v>
                 </c:pt>
                 <c:pt idx="46">
-                  <c:v>24.910619233181826</c:v>
+                  <c:v>18.54309339601623</c:v>
                 </c:pt>
                 <c:pt idx="47">
-                  <c:v>24.03886471316462</c:v>
+                  <c:v>18.17979985749759</c:v>
                 </c:pt>
                 <c:pt idx="48">
-                  <c:v>23.16870680119341</c:v>
+                  <c:v>17.837061445438483</c:v>
+                </c:pt>
+                <c:pt idx="49">
+                  <c:v>17.51257292884111</c:v>
                 </c:pt>
               </c:numCache>
             </c:numRef>
@@ -9156,10 +9276,10 @@
           </c:marker>
           <c:cat>
             <c:numRef>
-              <c:f>Sheet1!$A$2:$A$50</c:f>
+              <c:f>Sheet1!$A$2:$A$51</c:f>
               <c:numCache>
                 <c:formatCode>yyyy\-mm\-dd</c:formatCode>
-                <c:ptCount val="49"/>
+                <c:ptCount val="50"/>
                 <c:pt idx="0">
                   <c:v>42552.0</c:v>
                 </c:pt>
@@ -9306,16 +9426,19 @@
                 </c:pt>
                 <c:pt idx="48">
                   <c:v>44013.0</c:v>
+                </c:pt>
+                <c:pt idx="49">
+                  <c:v>44044.0</c:v>
                 </c:pt>
               </c:numCache>
             </c:numRef>
           </c:cat>
           <c:val>
             <c:numRef>
-              <c:f>Sheet1!$B$2:$B$50</c:f>
+              <c:f>Sheet1!$B$2:$B$51</c:f>
               <c:numCache>
                 <c:formatCode>General</c:formatCode>
-                <c:ptCount val="49"/>
+                <c:ptCount val="50"/>
                 <c:pt idx="0">
                   <c:v>1.0</c:v>
                 </c:pt>
@@ -9410,7 +9533,7 @@
                   <c:v>325.0</c:v>
                 </c:pt>
                 <c:pt idx="31">
-                  <c:v>286.0</c:v>
+                  <c:v>284.0</c:v>
                 </c:pt>
                 <c:pt idx="32">
                   <c:v>343.0</c:v>
@@ -9422,10 +9545,13 @@
                   <c:v>397.0</c:v>
                 </c:pt>
                 <c:pt idx="35">
-                  <c:v>334.0</c:v>
+                  <c:v>333.0</c:v>
                 </c:pt>
                 <c:pt idx="36">
                   <c:v>337.0</c:v>
+                </c:pt>
+                <c:pt idx="37">
+                  <c:v>344.0</c:v>
                 </c:pt>
               </c:numCache>
             </c:numRef>
@@ -9451,10 +9577,10 @@
           </c:marker>
           <c:cat>
             <c:numRef>
-              <c:f>Sheet1!$A$2:$A$50</c:f>
+              <c:f>Sheet1!$A$2:$A$51</c:f>
               <c:numCache>
                 <c:formatCode>yyyy\-mm\-dd</c:formatCode>
-                <c:ptCount val="49"/>
+                <c:ptCount val="50"/>
                 <c:pt idx="0">
                   <c:v>42552.0</c:v>
                 </c:pt>
@@ -9601,51 +9727,54 @@
                 </c:pt>
                 <c:pt idx="48">
                   <c:v>44013.0</c:v>
+                </c:pt>
+                <c:pt idx="49">
+                  <c:v>44044.0</c:v>
                 </c:pt>
               </c:numCache>
             </c:numRef>
           </c:cat>
           <c:val>
             <c:numRef>
-              <c:f>Sheet1!$C$2:$C$50</c:f>
+              <c:f>Sheet1!$C$2:$C$51</c:f>
               <c:numCache>
                 <c:formatCode>General</c:formatCode>
-                <c:ptCount val="49"/>
-                <c:pt idx="37">
-                  <c:v>358.6064884124539</c:v>
-                </c:pt>
+                <c:ptCount val="50"/>
                 <c:pt idx="38">
-                  <c:v>378.99777465136395</c:v>
+                  <c:v>381.6503378040851</c:v>
                 </c:pt>
                 <c:pt idx="39">
-                  <c:v>400.05159592873434</c:v>
+                  <c:v>390.44910755501843</c:v>
                 </c:pt>
                 <c:pt idx="40">
-                  <c:v>421.77396384324925</c:v>
+                  <c:v>402.8114856889959</c:v>
                 </c:pt>
                 <c:pt idx="41">
-                  <c:v>444.17080919824645</c:v>
+                  <c:v>414.11332532034385</c:v>
                 </c:pt>
                 <c:pt idx="42">
-                  <c:v>467.247984837188</c:v>
+                  <c:v>425.441715045449</c:v>
                 </c:pt>
                 <c:pt idx="43">
-                  <c:v>491.01126832054086</c:v>
+                  <c:v>436.7960651176896</c:v>
                 </c:pt>
                 <c:pt idx="44">
-                  <c:v>515.466364456116</c:v>
+                  <c:v>448.1758127404793</c:v>
                 </c:pt>
                 <c:pt idx="45">
-                  <c:v>540.6189076937734</c:v>
+                  <c:v>459.58042023009614</c:v>
                 </c:pt>
                 <c:pt idx="46">
-                  <c:v>566.4744643943728</c:v>
+                  <c:v>471.0093733432809</c:v>
                 </c:pt>
                 <c:pt idx="47">
-                  <c:v>593.0385349819524</c:v>
+                  <c:v>482.4621797514296</c:v>
                 </c:pt>
                 <c:pt idx="48">
-                  <c:v>620.3165559873116</c:v>
+                  <c:v>493.93836764557153</c:v>
+                </c:pt>
+                <c:pt idx="49">
+                  <c:v>505.43748445833245</c:v>
                 </c:pt>
               </c:numCache>
             </c:numRef>
@@ -9671,10 +9800,10 @@
           </c:marker>
           <c:cat>
             <c:numRef>
-              <c:f>Sheet1!$A$2:$A$50</c:f>
+              <c:f>Sheet1!$A$2:$A$51</c:f>
               <c:numCache>
                 <c:formatCode>yyyy\-mm\-dd</c:formatCode>
-                <c:ptCount val="49"/>
+                <c:ptCount val="50"/>
                 <c:pt idx="0">
                   <c:v>42552.0</c:v>
                 </c:pt>
@@ -9821,51 +9950,54 @@
                 </c:pt>
                 <c:pt idx="48">
                   <c:v>44013.0</c:v>
+                </c:pt>
+                <c:pt idx="49">
+                  <c:v>44044.0</c:v>
                 </c:pt>
               </c:numCache>
             </c:numRef>
           </c:cat>
           <c:val>
             <c:numRef>
-              <c:f>Sheet1!$D$2:$D$50</c:f>
+              <c:f>Sheet1!$D$2:$D$51</c:f>
               <c:numCache>
                 <c:formatCode>General</c:formatCode>
-                <c:ptCount val="49"/>
-                <c:pt idx="37">
-                  <c:v>422.38215818400016</c:v>
-                </c:pt>
+                <c:ptCount val="50"/>
                 <c:pt idx="38">
-                  <c:v>474.8297178746755</c:v>
+                  <c:v>410.1762629975904</c:v>
                 </c:pt>
                 <c:pt idx="39">
-                  <c:v>523.332818627209</c:v>
+                  <c:v>428.4550489148683</c:v>
                 </c:pt>
                 <c:pt idx="40">
-                  <c:v>570.5028307817487</c:v>
+                  <c:v>448.5278945498245</c:v>
                 </c:pt>
                 <c:pt idx="41">
-                  <c:v>617.3181887605647</c:v>
+                  <c:v>461.0046888430566</c:v>
                 </c:pt>
                 <c:pt idx="42">
-                  <c:v>664.2660684444143</c:v>
+                  <c:v>473.4866576869476</c:v>
                 </c:pt>
                 <c:pt idx="43">
-                  <c:v>711.6282702097318</c:v>
+                  <c:v>485.9745285099148</c:v>
                 </c:pt>
                 <c:pt idx="44">
-                  <c:v>759.5841008039744</c:v>
+                  <c:v>498.4689219585177</c:v>
                 </c:pt>
                 <c:pt idx="45">
-                  <c:v>808.2555599760396</c:v>
+                  <c:v>510.97036848635173</c:v>
                 </c:pt>
                 <c:pt idx="46">
-                  <c:v>857.7299381643984</c:v>
+                  <c:v>523.4793219593238</c:v>
                 </c:pt>
                 <c:pt idx="47">
-                  <c:v>908.0722115298375</c:v>
+                  <c:v>535.9961708928162</c:v>
                 </c:pt>
                 <c:pt idx="48">
-                  <c:v>959.3323302635634</c:v>
+                  <c:v>548.5212477932446</c:v>
+                </c:pt>
+                <c:pt idx="49">
+                  <c:v>561.0548369703114</c:v>
                 </c:pt>
               </c:numCache>
             </c:numRef>
@@ -9891,10 +10023,10 @@
           </c:marker>
           <c:cat>
             <c:numRef>
-              <c:f>Sheet1!$A$2:$A$50</c:f>
+              <c:f>Sheet1!$A$2:$A$51</c:f>
               <c:numCache>
                 <c:formatCode>yyyy\-mm\-dd</c:formatCode>
-                <c:ptCount val="49"/>
+                <c:ptCount val="50"/>
                 <c:pt idx="0">
                   <c:v>42552.0</c:v>
                 </c:pt>
@@ -10041,51 +10173,54 @@
                 </c:pt>
                 <c:pt idx="48">
                   <c:v>44013.0</c:v>
+                </c:pt>
+                <c:pt idx="49">
+                  <c:v>44044.0</c:v>
                 </c:pt>
               </c:numCache>
             </c:numRef>
           </c:cat>
           <c:val>
             <c:numRef>
-              <c:f>Sheet1!$E$2:$E$50</c:f>
+              <c:f>Sheet1!$E$2:$E$51</c:f>
               <c:numCache>
                 <c:formatCode>General</c:formatCode>
-                <c:ptCount val="49"/>
-                <c:pt idx="37">
-                  <c:v>297.4252808245614</c:v>
-                </c:pt>
+                <c:ptCount val="50"/>
                 <c:pt idx="38">
-                  <c:v>292.2154203452303</c:v>
+                  <c:v>353.20776435556144</c:v>
                 </c:pt>
                 <c:pt idx="39">
-                  <c:v>292.3901606012968</c:v>
+                  <c:v>352.66166930913664</c:v>
                 </c:pt>
                 <c:pt idx="40">
-                  <c:v>295.34794671390705</c:v>
+                  <c:v>357.44248414294213</c:v>
                 </c:pt>
                 <c:pt idx="41">
-                  <c:v>300.1200931826053</c:v>
+                  <c:v>367.58179601406755</c:v>
                 </c:pt>
                 <c:pt idx="42">
-                  <c:v>306.2291062695442</c:v>
+                  <c:v>377.7685009621275</c:v>
                 </c:pt>
                 <c:pt idx="43">
-                  <c:v>313.40280086876425</c:v>
+                  <c:v>388.00072795661225</c:v>
                 </c:pt>
                 <c:pt idx="44">
-                  <c:v>321.4714186646272</c:v>
+                  <c:v>398.27676343232775</c:v>
                 </c:pt>
                 <c:pt idx="45">
-                  <c:v>330.3224416460503</c:v>
+                  <c:v>408.5950313816306</c:v>
                 </c:pt>
                 <c:pt idx="46">
-                  <c:v>339.877994659351</c:v>
+                  <c:v>418.95407671349284</c:v>
                 </c:pt>
                 <c:pt idx="47">
-                  <c:v>350.0824506999259</c:v>
+                  <c:v>429.35255123445506</c:v>
                 </c:pt>
                 <c:pt idx="48">
-                  <c:v>360.89514300065287</c:v>
+                  <c:v>439.78920175309537</c:v>
+                </c:pt>
+                <c:pt idx="49">
+                  <c:v>450.2628599189271</c:v>
                 </c:pt>
               </c:numCache>
             </c:numRef>
@@ -10195,10 +10330,10 @@
           </c:marker>
           <c:cat>
             <c:numRef>
-              <c:f>Sheet1!$A$2:$A$50</c:f>
+              <c:f>Sheet1!$A$2:$A$51</c:f>
               <c:numCache>
                 <c:formatCode>yyyy\-mm\-dd</c:formatCode>
-                <c:ptCount val="49"/>
+                <c:ptCount val="50"/>
                 <c:pt idx="0">
                   <c:v>42552.0</c:v>
                 </c:pt>
@@ -10345,18 +10480,21 @@
                 </c:pt>
                 <c:pt idx="48">
                   <c:v>44013.0</c:v>
+                </c:pt>
+                <c:pt idx="49">
+                  <c:v>44044.0</c:v>
                 </c:pt>
               </c:numCache>
             </c:numRef>
           </c:cat>
           <c:val>
             <c:numRef>
-              <c:f>Sheet1!$B$2:$B$50</c:f>
+              <c:f>Sheet1!$B$2:$B$51</c:f>
               <c:numCache>
                 <c:formatCode>General</c:formatCode>
-                <c:ptCount val="49"/>
+                <c:ptCount val="50"/>
                 <c:pt idx="0">
-                  <c:v>1414.0</c:v>
+                  <c:v>1413.0</c:v>
                 </c:pt>
                 <c:pt idx="1">
                   <c:v>1631.0</c:v>
@@ -10395,40 +10533,40 @@
                   <c:v>1206.0</c:v>
                 </c:pt>
                 <c:pt idx="13">
-                  <c:v>1188.0</c:v>
+                  <c:v>1187.0</c:v>
                 </c:pt>
                 <c:pt idx="14">
-                  <c:v>1374.0</c:v>
+                  <c:v>1373.0</c:v>
                 </c:pt>
                 <c:pt idx="15">
-                  <c:v>1832.0</c:v>
+                  <c:v>1831.0</c:v>
                 </c:pt>
                 <c:pt idx="16">
                   <c:v>1270.0</c:v>
                 </c:pt>
                 <c:pt idx="17">
-                  <c:v>1929.0</c:v>
+                  <c:v>1928.0</c:v>
                 </c:pt>
                 <c:pt idx="18">
                   <c:v>1214.0</c:v>
                 </c:pt>
                 <c:pt idx="19">
-                  <c:v>1055.0</c:v>
+                  <c:v>1052.0</c:v>
                 </c:pt>
                 <c:pt idx="20">
-                  <c:v>1181.0</c:v>
+                  <c:v>1179.0</c:v>
                 </c:pt>
                 <c:pt idx="21">
                   <c:v>1424.0</c:v>
                 </c:pt>
                 <c:pt idx="22">
-                  <c:v>1966.0</c:v>
+                  <c:v>1965.0</c:v>
                 </c:pt>
                 <c:pt idx="23">
                   <c:v>1583.0</c:v>
                 </c:pt>
                 <c:pt idx="24">
-                  <c:v>1081.0</c:v>
+                  <c:v>1080.0</c:v>
                 </c:pt>
                 <c:pt idx="25">
                   <c:v>1115.0</c:v>
@@ -10449,7 +10587,7 @@
                   <c:v>1874.0</c:v>
                 </c:pt>
                 <c:pt idx="31">
-                  <c:v>1109.0</c:v>
+                  <c:v>1102.0</c:v>
                 </c:pt>
                 <c:pt idx="32">
                   <c:v>1272.0</c:v>
@@ -10465,6 +10603,9 @@
                 </c:pt>
                 <c:pt idx="36">
                   <c:v>1111.0</c:v>
+                </c:pt>
+                <c:pt idx="37">
+                  <c:v>1252.0</c:v>
                 </c:pt>
               </c:numCache>
             </c:numRef>
@@ -10490,10 +10631,10 @@
           </c:marker>
           <c:cat>
             <c:numRef>
-              <c:f>Sheet1!$A$2:$A$50</c:f>
+              <c:f>Sheet1!$A$2:$A$51</c:f>
               <c:numCache>
                 <c:formatCode>yyyy\-mm\-dd</c:formatCode>
-                <c:ptCount val="49"/>
+                <c:ptCount val="50"/>
                 <c:pt idx="0">
                   <c:v>42552.0</c:v>
                 </c:pt>
@@ -10640,51 +10781,54 @@
                 </c:pt>
                 <c:pt idx="48">
                   <c:v>44013.0</c:v>
+                </c:pt>
+                <c:pt idx="49">
+                  <c:v>44044.0</c:v>
                 </c:pt>
               </c:numCache>
             </c:numRef>
           </c:cat>
           <c:val>
             <c:numRef>
-              <c:f>Sheet1!$C$2:$C$50</c:f>
+              <c:f>Sheet1!$C$2:$C$51</c:f>
               <c:numCache>
                 <c:formatCode>General</c:formatCode>
-                <c:ptCount val="49"/>
-                <c:pt idx="37">
-                  <c:v>1336.5694214477842</c:v>
-                </c:pt>
+                <c:ptCount val="50"/>
                 <c:pt idx="38">
-                  <c:v>1336.5694214477842</c:v>
+                  <c:v>1351.403667261403</c:v>
                 </c:pt>
                 <c:pt idx="39">
-                  <c:v>1336.5694214477842</c:v>
+                  <c:v>1351.403667261403</c:v>
                 </c:pt>
                 <c:pt idx="40">
-                  <c:v>1336.5694214477842</c:v>
+                  <c:v>1351.403667261403</c:v>
                 </c:pt>
                 <c:pt idx="41">
-                  <c:v>1336.5694214477842</c:v>
+                  <c:v>1351.403667261403</c:v>
                 </c:pt>
                 <c:pt idx="42">
-                  <c:v>1336.5694214477842</c:v>
+                  <c:v>1351.403667261403</c:v>
                 </c:pt>
                 <c:pt idx="43">
-                  <c:v>1336.5694214477842</c:v>
+                  <c:v>1351.403667261403</c:v>
                 </c:pt>
                 <c:pt idx="44">
-                  <c:v>1336.5694214477842</c:v>
+                  <c:v>1351.403667261403</c:v>
                 </c:pt>
                 <c:pt idx="45">
-                  <c:v>1336.5694214477842</c:v>
+                  <c:v>1351.403667261403</c:v>
                 </c:pt>
                 <c:pt idx="46">
-                  <c:v>1336.5694214477842</c:v>
+                  <c:v>1351.403667261403</c:v>
                 </c:pt>
                 <c:pt idx="47">
-                  <c:v>1336.5694214477842</c:v>
+                  <c:v>1351.403667261403</c:v>
                 </c:pt>
                 <c:pt idx="48">
-                  <c:v>1336.5694214477842</c:v>
+                  <c:v>1351.403667261403</c:v>
+                </c:pt>
+                <c:pt idx="49">
+                  <c:v>1351.403667261403</c:v>
                 </c:pt>
               </c:numCache>
             </c:numRef>
@@ -10710,10 +10854,10 @@
           </c:marker>
           <c:cat>
             <c:numRef>
-              <c:f>Sheet1!$A$2:$A$50</c:f>
+              <c:f>Sheet1!$A$2:$A$51</c:f>
               <c:numCache>
                 <c:formatCode>yyyy\-mm\-dd</c:formatCode>
-                <c:ptCount val="49"/>
+                <c:ptCount val="50"/>
                 <c:pt idx="0">
                   <c:v>42552.0</c:v>
                 </c:pt>
@@ -10860,51 +11004,54 @@
                 </c:pt>
                 <c:pt idx="48">
                   <c:v>44013.0</c:v>
+                </c:pt>
+                <c:pt idx="49">
+                  <c:v>44044.0</c:v>
                 </c:pt>
               </c:numCache>
             </c:numRef>
           </c:cat>
           <c:val>
             <c:numRef>
-              <c:f>Sheet1!$D$2:$D$50</c:f>
+              <c:f>Sheet1!$D$2:$D$51</c:f>
               <c:numCache>
                 <c:formatCode>General</c:formatCode>
-                <c:ptCount val="49"/>
-                <c:pt idx="37">
-                  <c:v>1730.9920853617102</c:v>
-                </c:pt>
+                <c:ptCount val="50"/>
                 <c:pt idx="38">
-                  <c:v>1734.3265416163022</c:v>
+                  <c:v>1835.1320304979495</c:v>
                 </c:pt>
                 <c:pt idx="39">
-                  <c:v>1737.6541194583922</c:v>
+                  <c:v>1839.5174810863334</c:v>
                 </c:pt>
                 <c:pt idx="40">
-                  <c:v>1740.974995599812</c:v>
+                  <c:v>1843.8998341416552</c:v>
                 </c:pt>
                 <c:pt idx="41">
-                  <c:v>1744.289341965056</c:v>
+                  <c:v>1848.2792874979027</c:v>
                 </c:pt>
                 <c:pt idx="42">
-                  <c:v>1747.5973258755857</c:v>
+                  <c:v>1852.6560343056217</c:v>
                 </c:pt>
                 <c:pt idx="43">
-                  <c:v>1750.899110226281</c:v>
+                  <c:v>1857.03026320911</c:v>
                 </c:pt>
                 <c:pt idx="44">
-                  <c:v>1754.1948536513248</c:v>
+                  <c:v>1861.4021585204562</c:v>
                 </c:pt>
                 <c:pt idx="45">
-                  <c:v>1757.4847106854536</c:v>
+                  <c:v>1865.7719003807563</c:v>
                 </c:pt>
                 <c:pt idx="46">
-                  <c:v>1760.7688319134288</c:v>
+                  <c:v>1870.1396649179026</c:v>
                 </c:pt>
                 <c:pt idx="47">
-                  <c:v>1764.0473641179424</c:v>
+                  <c:v>1874.5056243947245</c:v>
                 </c:pt>
                 <c:pt idx="48">
-                  <c:v>1767.3204504141665</c:v>
+                  <c:v>1878.8699473504466</c:v>
+                </c:pt>
+                <c:pt idx="49">
+                  <c:v>1883.232798737773</c:v>
                 </c:pt>
               </c:numCache>
             </c:numRef>
@@ -10930,10 +11077,10 @@
           </c:marker>
           <c:cat>
             <c:numRef>
-              <c:f>Sheet1!$A$2:$A$50</c:f>
+              <c:f>Sheet1!$A$2:$A$51</c:f>
               <c:numCache>
                 <c:formatCode>yyyy\-mm\-dd</c:formatCode>
-                <c:ptCount val="49"/>
+                <c:ptCount val="50"/>
                 <c:pt idx="0">
                   <c:v>42552.0</c:v>
                 </c:pt>
@@ -11080,51 +11227,54 @@
                 </c:pt>
                 <c:pt idx="48">
                   <c:v>44013.0</c:v>
+                </c:pt>
+                <c:pt idx="49">
+                  <c:v>44044.0</c:v>
                 </c:pt>
               </c:numCache>
             </c:numRef>
           </c:cat>
           <c:val>
             <c:numRef>
-              <c:f>Sheet1!$E$2:$E$50</c:f>
+              <c:f>Sheet1!$E$2:$E$51</c:f>
               <c:numCache>
                 <c:formatCode>General</c:formatCode>
-                <c:ptCount val="49"/>
-                <c:pt idx="37">
-                  <c:v>1017.1953041836533</c:v>
-                </c:pt>
+                <c:ptCount val="50"/>
                 <c:pt idx="38">
-                  <c:v>1015.9622172532797</c:v>
+                  <c:v>984.4509155466783</c:v>
                 </c:pt>
                 <c:pt idx="39">
-                  <c:v>1014.7388377862546</c:v>
+                  <c:v>983.1934485957452</c:v>
                 </c:pt>
                 <c:pt idx="40">
-                  <c:v>1013.5249946067424</c:v>
+                  <c:v>981.9460266488971</c:v>
                 </c:pt>
                 <c:pt idx="41">
-                  <c:v>1012.3205213407886</c:v>
+                  <c:v>980.7084750429752</c:v>
                 </c:pt>
                 <c:pt idx="42">
-                  <c:v>1011.1252562316855</c:v>
+                  <c:v>979.4806239032043</c:v>
                 </c:pt>
                 <c:pt idx="43">
-                  <c:v>1009.9390419639795</c:v>
+                  <c:v>978.2623079630439</c:v>
                 </c:pt>
                 <c:pt idx="44">
-                  <c:v>1008.7617254967072</c:v>
+                  <c:v>977.0533663937117</c:v>
                 </c:pt>
                 <c:pt idx="45">
-                  <c:v>1007.5931579034651</c:v>
+                  <c:v>975.8536426413689</c:v>
                 </c:pt>
                 <c:pt idx="46">
-                  <c:v>1006.4331942212164</c:v>
+                  <c:v>974.6629842713634</c:v>
                 </c:pt>
                 <c:pt idx="47">
-                  <c:v>1005.281693305</c:v>
+                  <c:v>973.4812428202113</c:v>
                 </c:pt>
                 <c:pt idx="48">
-                  <c:v>1004.1385176906643</c:v>
+                  <c:v>972.3082736541961</c:v>
+                </c:pt>
+                <c:pt idx="49">
+                  <c:v>971.1439358343357</c:v>
                 </c:pt>
               </c:numCache>
             </c:numRef>
@@ -11234,10 +11384,10 @@
           </c:marker>
           <c:cat>
             <c:numRef>
-              <c:f>Sheet1!$A$2:$A$50</c:f>
+              <c:f>Sheet1!$A$2:$A$51</c:f>
               <c:numCache>
                 <c:formatCode>yyyy\-mm\-dd</c:formatCode>
-                <c:ptCount val="49"/>
+                <c:ptCount val="50"/>
                 <c:pt idx="0">
                   <c:v>42552.0</c:v>
                 </c:pt>
@@ -11384,16 +11534,19 @@
                 </c:pt>
                 <c:pt idx="48">
                   <c:v>44013.0</c:v>
+                </c:pt>
+                <c:pt idx="49">
+                  <c:v>44044.0</c:v>
                 </c:pt>
               </c:numCache>
             </c:numRef>
           </c:cat>
           <c:val>
             <c:numRef>
-              <c:f>Sheet1!$B$2:$B$50</c:f>
+              <c:f>Sheet1!$B$2:$B$51</c:f>
               <c:numCache>
                 <c:formatCode>General</c:formatCode>
-                <c:ptCount val="49"/>
+                <c:ptCount val="50"/>
                 <c:pt idx="0">
                   <c:v>138.0</c:v>
                 </c:pt>
@@ -11504,6 +11657,9 @@
                 </c:pt>
                 <c:pt idx="36">
                   <c:v>124.0</c:v>
+                </c:pt>
+                <c:pt idx="37">
+                  <c:v>109.0</c:v>
                 </c:pt>
               </c:numCache>
             </c:numRef>
@@ -11529,10 +11685,10 @@
           </c:marker>
           <c:cat>
             <c:numRef>
-              <c:f>Sheet1!$A$2:$A$50</c:f>
+              <c:f>Sheet1!$A$2:$A$51</c:f>
               <c:numCache>
                 <c:formatCode>yyyy\-mm\-dd</c:formatCode>
-                <c:ptCount val="49"/>
+                <c:ptCount val="50"/>
                 <c:pt idx="0">
                   <c:v>42552.0</c:v>
                 </c:pt>
@@ -11679,51 +11835,54 @@
                 </c:pt>
                 <c:pt idx="48">
                   <c:v>44013.0</c:v>
+                </c:pt>
+                <c:pt idx="49">
+                  <c:v>44044.0</c:v>
                 </c:pt>
               </c:numCache>
             </c:numRef>
           </c:cat>
           <c:val>
             <c:numRef>
-              <c:f>Sheet1!$C$2:$C$50</c:f>
+              <c:f>Sheet1!$C$2:$C$51</c:f>
               <c:numCache>
                 <c:formatCode>General</c:formatCode>
-                <c:ptCount val="49"/>
-                <c:pt idx="37">
-                  <c:v>121.95538588268359</c:v>
-                </c:pt>
+                <c:ptCount val="50"/>
                 <c:pt idx="38">
-                  <c:v>122.74608981316038</c:v>
+                  <c:v>114.10012312190923</c:v>
                 </c:pt>
                 <c:pt idx="39">
-                  <c:v>122.5248242080325</c:v>
+                  <c:v>112.66210855837843</c:v>
                 </c:pt>
                 <c:pt idx="40">
-                  <c:v>122.58664186554715</c:v>
+                  <c:v>113.10945748872143</c:v>
                 </c:pt>
                 <c:pt idx="41">
-                  <c:v>122.5693633210697</c:v>
+                  <c:v>112.96998338484323</c:v>
                 </c:pt>
                 <c:pt idx="42">
-                  <c:v>122.57419220749739</c:v>
+                  <c:v>113.0134384153052</c:v>
                 </c:pt>
                 <c:pt idx="43">
-                  <c:v>122.57284261661533</c:v>
+                  <c:v>112.99989649630223</c:v>
                 </c:pt>
                 <c:pt idx="44">
-                  <c:v>122.57321980038908</c:v>
+                  <c:v>113.00411628954248</c:v>
                 </c:pt>
                 <c:pt idx="45">
-                  <c:v>122.57311438474592</c:v>
+                  <c:v>113.00280133351836</c:v>
                 </c:pt>
                 <c:pt idx="46">
-                  <c:v>122.57314384637718</c:v>
+                  <c:v>113.00321109247119</c:v>
                 </c:pt>
                 <c:pt idx="47">
-                  <c:v>122.57313561241993</c:v>
+                  <c:v>113.0030834055084</c:v>
                 </c:pt>
                 <c:pt idx="48">
-                  <c:v>122.57313791365195</c:v>
+                  <c:v>113.00312319463325</c:v>
+                </c:pt>
+                <c:pt idx="49">
+                  <c:v>113.00311079575764</c:v>
                 </c:pt>
               </c:numCache>
             </c:numRef>
@@ -11749,10 +11908,10 @@
           </c:marker>
           <c:cat>
             <c:numRef>
-              <c:f>Sheet1!$A$2:$A$50</c:f>
+              <c:f>Sheet1!$A$2:$A$51</c:f>
               <c:numCache>
                 <c:formatCode>yyyy\-mm\-dd</c:formatCode>
-                <c:ptCount val="49"/>
+                <c:ptCount val="50"/>
                 <c:pt idx="0">
                   <c:v>42552.0</c:v>
                 </c:pt>
@@ -11899,51 +12058,54 @@
                 </c:pt>
                 <c:pt idx="48">
                   <c:v>44013.0</c:v>
+                </c:pt>
+                <c:pt idx="49">
+                  <c:v>44044.0</c:v>
                 </c:pt>
               </c:numCache>
             </c:numRef>
           </c:cat>
           <c:val>
             <c:numRef>
-              <c:f>Sheet1!$D$2:$D$50</c:f>
+              <c:f>Sheet1!$D$2:$D$51</c:f>
               <c:numCache>
                 <c:formatCode>General</c:formatCode>
-                <c:ptCount val="49"/>
-                <c:pt idx="37">
-                  <c:v>147.19660966581375</c:v>
-                </c:pt>
+                <c:ptCount val="50"/>
                 <c:pt idx="38">
-                  <c:v>154.54262206719795</c:v>
+                  <c:v>136.9459314267609</c:v>
                 </c:pt>
                 <c:pt idx="39">
-                  <c:v>161.0064218755007</c:v>
+                  <c:v>140.58976267391157</c:v>
                 </c:pt>
                 <c:pt idx="40">
-                  <c:v>166.6767765329317</c:v>
+                  <c:v>146.79522976429774</c:v>
                 </c:pt>
                 <c:pt idx="41">
-                  <c:v>171.83419621735317</c:v>
+                  <c:v>151.26964096623968</c:v>
                 </c:pt>
                 <c:pt idx="42">
-                  <c:v>176.6197963940609</c:v>
+                  <c:v>155.6210912584497</c:v>
                 </c:pt>
                 <c:pt idx="43">
-                  <c:v>181.11228230623198</c:v>
+                  <c:v>159.54621097697623</c:v>
                 </c:pt>
                 <c:pt idx="44">
-                  <c:v>185.3705519526269</c:v>
+                  <c:v>163.2447473169587</c:v>
                 </c:pt>
                 <c:pt idx="45">
-                  <c:v>189.43425293316662</c:v>
+                  <c:v>166.72703198501893</c:v>
                 </c:pt>
                 <c:pt idx="46">
-                  <c:v>193.33366092953244</c:v>
+                  <c:v>170.04021515239393</c:v>
                 </c:pt>
                 <c:pt idx="47">
-                  <c:v>197.0917144755442</c:v>
+                  <c:v>173.20682616995077</c:v>
                 </c:pt>
                 <c:pt idx="48">
-                  <c:v>200.72654779412215</c:v>
+                  <c:v>176.24814697289924</c:v>
+                </c:pt>
+                <c:pt idx="49">
+                  <c:v>179.17970299720412</c:v>
                 </c:pt>
               </c:numCache>
             </c:numRef>
@@ -11969,10 +12131,10 @@
           </c:marker>
           <c:cat>
             <c:numRef>
-              <c:f>Sheet1!$A$2:$A$50</c:f>
+              <c:f>Sheet1!$A$2:$A$51</c:f>
               <c:numCache>
                 <c:formatCode>yyyy\-mm\-dd</c:formatCode>
-                <c:ptCount val="49"/>
+                <c:ptCount val="50"/>
                 <c:pt idx="0">
                   <c:v>42552.0</c:v>
                 </c:pt>
@@ -12119,51 +12281,54 @@
                 </c:pt>
                 <c:pt idx="48">
                   <c:v>44013.0</c:v>
+                </c:pt>
+                <c:pt idx="49">
+                  <c:v>44044.0</c:v>
                 </c:pt>
               </c:numCache>
             </c:numRef>
           </c:cat>
           <c:val>
             <c:numRef>
-              <c:f>Sheet1!$E$2:$E$50</c:f>
+              <c:f>Sheet1!$E$2:$E$51</c:f>
               <c:numCache>
                 <c:formatCode>General</c:formatCode>
-                <c:ptCount val="49"/>
-                <c:pt idx="37">
-                  <c:v>97.83409731207405</c:v>
-                </c:pt>
+                <c:ptCount val="50"/>
                 <c:pt idx="38">
-                  <c:v>93.47837203500147</c:v>
+                  <c:v>91.9556540494455</c:v>
                 </c:pt>
                 <c:pt idx="39">
-                  <c:v>88.30140380790826</c:v>
+                  <c:v>86.25265742120186</c:v>
                 </c:pt>
                 <c:pt idx="40">
-                  <c:v>84.39116805965627</c:v>
+                  <c:v>82.00108319399692</c:v>
                 </c:pt>
                 <c:pt idx="41">
-                  <c:v>80.86100841278368</c:v>
+                  <c:v>78.23001285333498</c:v>
                 </c:pt>
                 <c:pt idx="42">
-                  <c:v>77.7395337272746</c:v>
+                  <c:v>74.97203897213251</c:v>
                 </c:pt>
                 <c:pt idx="43">
-                  <c:v>74.90058734686531</c:v>
+                  <c:v>72.01994954048467</c:v>
                 </c:pt>
                 <c:pt idx="44">
-                  <c:v>72.29854243786318</c:v>
+                  <c:v>69.33297861828245</c:v>
                 </c:pt>
                 <c:pt idx="45">
-                  <c:v>69.89003917317925</c:v>
+                  <c:v>66.851310159391</c:v>
                 </c:pt>
                 <c:pt idx="46">
-                  <c:v>67.64583928226216</c:v>
+                  <c:v>64.54320739764493</c:v>
                 </c:pt>
                 <c:pt idx="47">
-                  <c:v>65.5427133006294</c:v>
+                  <c:v>62.381350573857446</c:v>
                 </c:pt>
                 <c:pt idx="48">
-                  <c:v>63.562607565062905</c:v>
+                  <c:v>60.34595721516778</c:v>
+                </c:pt>
+                <c:pt idx="49">
+                  <c:v>58.421043356703144</c:v>
                 </c:pt>
               </c:numCache>
             </c:numRef>
@@ -12273,10 +12438,10 @@
           </c:marker>
           <c:cat>
             <c:numRef>
-              <c:f>Sheet1!$A$2:$A$50</c:f>
+              <c:f>Sheet1!$A$2:$A$51</c:f>
               <c:numCache>
                 <c:formatCode>yyyy\-mm\-dd</c:formatCode>
-                <c:ptCount val="49"/>
+                <c:ptCount val="50"/>
                 <c:pt idx="0">
                   <c:v>42552.0</c:v>
                 </c:pt>
@@ -12423,16 +12588,19 @@
                 </c:pt>
                 <c:pt idx="48">
                   <c:v>44013.0</c:v>
+                </c:pt>
+                <c:pt idx="49">
+                  <c:v>44044.0</c:v>
                 </c:pt>
               </c:numCache>
             </c:numRef>
           </c:cat>
           <c:val>
             <c:numRef>
-              <c:f>Sheet1!$B$2:$B$50</c:f>
+              <c:f>Sheet1!$B$2:$B$51</c:f>
               <c:numCache>
                 <c:formatCode>General</c:formatCode>
-                <c:ptCount val="49"/>
+                <c:ptCount val="50"/>
                 <c:pt idx="0">
                   <c:v>59.0</c:v>
                 </c:pt>
@@ -12543,6 +12711,9 @@
                 </c:pt>
                 <c:pt idx="36">
                   <c:v>2.0</c:v>
+                </c:pt>
+                <c:pt idx="37">
+                  <c:v>1.0</c:v>
                 </c:pt>
               </c:numCache>
             </c:numRef>
@@ -12568,10 +12739,10 @@
           </c:marker>
           <c:cat>
             <c:numRef>
-              <c:f>Sheet1!$A$2:$A$50</c:f>
+              <c:f>Sheet1!$A$2:$A$51</c:f>
               <c:numCache>
                 <c:formatCode>yyyy\-mm\-dd</c:formatCode>
-                <c:ptCount val="49"/>
+                <c:ptCount val="50"/>
                 <c:pt idx="0">
                   <c:v>42552.0</c:v>
                 </c:pt>
@@ -12718,51 +12889,54 @@
                 </c:pt>
                 <c:pt idx="48">
                   <c:v>44013.0</c:v>
+                </c:pt>
+                <c:pt idx="49">
+                  <c:v>44044.0</c:v>
                 </c:pt>
               </c:numCache>
             </c:numRef>
           </c:cat>
           <c:val>
             <c:numRef>
-              <c:f>Sheet1!$C$2:$C$50</c:f>
+              <c:f>Sheet1!$C$2:$C$51</c:f>
               <c:numCache>
                 <c:formatCode>General</c:formatCode>
-                <c:ptCount val="49"/>
-                <c:pt idx="37">
-                  <c:v>10.61104957600352</c:v>
-                </c:pt>
+                <c:ptCount val="50"/>
                 <c:pt idx="38">
-                  <c:v>16.02554882567637</c:v>
+                  <c:v>14.495395703854134</c:v>
                 </c:pt>
                 <c:pt idx="39">
-                  <c:v>4.934517214449909</c:v>
+                  <c:v>4.8707195928839075</c:v>
                 </c:pt>
                 <c:pt idx="40">
-                  <c:v>2.6769729673533704</c:v>
+                  <c:v>2.0301376702157294</c:v>
                 </c:pt>
                 <c:pt idx="41">
-                  <c:v>8.373239629128475</c:v>
+                  <c:v>5.8864648816447955</c:v>
                 </c:pt>
                 <c:pt idx="42">
-                  <c:v>15.11679714470456</c:v>
+                  <c:v>13.211680523427892</c:v>
                 </c:pt>
                 <c:pt idx="43">
-                  <c:v>6.21769991072703</c:v>
+                  <c:v>6.211375514642354</c:v>
                 </c:pt>
                 <c:pt idx="44">
-                  <c:v>2.9531518452748693</c:v>
+                  <c:v>2.3605467673928793</c:v>
                 </c:pt>
                 <c:pt idx="45">
-                  <c:v>6.882565646689797</c:v>
+                  <c:v>4.761040401927649</c:v>
                 </c:pt>
                 <c:pt idx="46">
-                  <c:v>13.800480443092226</c:v>
+                  <c:v>11.59956914487104</c:v>
                 </c:pt>
                 <c:pt idx="47">
-                  <c:v>7.40259199060274</c:v>
+                  <c:v>7.383916538097479</c:v>
                 </c:pt>
                 <c:pt idx="48">
-                  <c:v>3.3559059997162377</c:v>
+                  <c:v>2.8275373713422938</c:v>
+                </c:pt>
+                <c:pt idx="49">
+                  <c:v>4.088863153954741</c:v>
                 </c:pt>
               </c:numCache>
             </c:numRef>
@@ -12788,10 +12962,10 @@
           </c:marker>
           <c:cat>
             <c:numRef>
-              <c:f>Sheet1!$A$2:$A$50</c:f>
+              <c:f>Sheet1!$A$2:$A$51</c:f>
               <c:numCache>
                 <c:formatCode>yyyy\-mm\-dd</c:formatCode>
-                <c:ptCount val="49"/>
+                <c:ptCount val="50"/>
                 <c:pt idx="0">
                   <c:v>42552.0</c:v>
                 </c:pt>
@@ -12938,51 +13112,54 @@
                 </c:pt>
                 <c:pt idx="48">
                   <c:v>44013.0</c:v>
+                </c:pt>
+                <c:pt idx="49">
+                  <c:v>44044.0</c:v>
                 </c:pt>
               </c:numCache>
             </c:numRef>
           </c:cat>
           <c:val>
             <c:numRef>
-              <c:f>Sheet1!$D$2:$D$50</c:f>
+              <c:f>Sheet1!$D$2:$D$51</c:f>
               <c:numCache>
                 <c:formatCode>General</c:formatCode>
-                <c:ptCount val="49"/>
-                <c:pt idx="37">
-                  <c:v>33.90221234036574</c:v>
-                </c:pt>
+                <c:ptCount val="50"/>
                 <c:pt idx="38">
-                  <c:v>49.104544258537956</c:v>
+                  <c:v>43.22557910596981</c:v>
                 </c:pt>
                 <c:pt idx="39">
-                  <c:v>17.298570076509847</c:v>
+                  <c:v>16.378874180013735</c:v>
                 </c:pt>
                 <c:pt idx="40">
-                  <c:v>10.7905388033798</c:v>
+                  <c:v>7.686790686413312</c:v>
                 </c:pt>
                 <c:pt idx="41">
-                  <c:v>30.362242458022823</c:v>
+                  <c:v>20.547597983938545</c:v>
                 </c:pt>
                 <c:pt idx="42">
-                  <c:v>51.268276723328114</c:v>
+                  <c:v>43.42950587226981</c:v>
                 </c:pt>
                 <c:pt idx="43">
-                  <c:v>23.57326250581496</c:v>
+                  <c:v>22.436947419588208</c:v>
                 </c:pt>
                 <c:pt idx="44">
-                  <c:v>12.965705356779672</c:v>
+                  <c:v>9.784170202294236</c:v>
                 </c:pt>
                 <c:pt idx="45">
-                  <c:v>27.961605174636844</c:v>
+                  <c:v>18.596636924550904</c:v>
                 </c:pt>
                 <c:pt idx="46">
-                  <c:v>51.468864586402574</c:v>
+                  <c:v>41.828566534553595</c:v>
                 </c:pt>
                 <c:pt idx="47">
-                  <c:v>30.06496756841779</c:v>
+                  <c:v>28.42585367931421</c:v>
                 </c:pt>
                 <c:pt idx="48">
-                  <c:v>15.794300287865138</c:v>
+                  <c:v>12.566320455551448</c:v>
+                </c:pt>
+                <c:pt idx="49">
+                  <c:v>17.677979926002667</c:v>
                 </c:pt>
               </c:numCache>
             </c:numRef>
@@ -13008,10 +13185,10 @@
           </c:marker>
           <c:cat>
             <c:numRef>
-              <c:f>Sheet1!$A$2:$A$50</c:f>
+              <c:f>Sheet1!$A$2:$A$51</c:f>
               <c:numCache>
                 <c:formatCode>yyyy\-mm\-dd</c:formatCode>
-                <c:ptCount val="49"/>
+                <c:ptCount val="50"/>
                 <c:pt idx="0">
                   <c:v>42552.0</c:v>
                 </c:pt>
@@ -13158,51 +13335,54 @@
                 </c:pt>
                 <c:pt idx="48">
                   <c:v>44013.0</c:v>
+                </c:pt>
+                <c:pt idx="49">
+                  <c:v>44044.0</c:v>
                 </c:pt>
               </c:numCache>
             </c:numRef>
           </c:cat>
           <c:val>
             <c:numRef>
-              <c:f>Sheet1!$E$2:$E$50</c:f>
+              <c:f>Sheet1!$E$2:$E$51</c:f>
               <c:numCache>
                 <c:formatCode>General</c:formatCode>
-                <c:ptCount val="49"/>
-                <c:pt idx="37">
-                  <c:v>0.26083446940635363</c:v>
-                </c:pt>
+                <c:ptCount val="50"/>
                 <c:pt idx="38">
-                  <c:v>0.5442300422885964</c:v>
+                  <c:v>0.5474277064739018</c:v>
                 </c:pt>
                 <c:pt idx="39">
-                  <c:v>0.05862428363252229</c:v>
+                  <c:v>0.06750081698195909</c:v>
                 </c:pt>
                 <c:pt idx="40">
-                  <c:v>0.013421471466605772</c:v>
+                  <c:v>0.009162316166571096</c:v>
                 </c:pt>
                 <c:pt idx="41">
-                  <c:v>0.13484962987377827</c:v>
+                  <c:v>0.08674781455371353</c:v>
                 </c:pt>
                 <c:pt idx="42">
-                  <c:v>0.4059892882269352</c:v>
+                  <c:v>0.38745134406330634</c:v>
                 </c:pt>
                 <c:pt idx="43">
-                  <c:v>0.07325352086569704</c:v>
+                  <c:v>0.08799816903040705</c:v>
                 </c:pt>
                 <c:pt idx="44">
-                  <c:v>0.012861833981722703</c:v>
+                  <c:v>0.009625828849028009</c:v>
                 </c:pt>
                 <c:pt idx="45">
-                  <c:v>0.0742247607250016</c:v>
+                  <c:v>0.04479196332193118</c:v>
                 </c:pt>
                 <c:pt idx="46">
-                  <c:v>0.28795734593631656</c:v>
+                  <c:v>0.25685729807274993</c:v>
                 </c:pt>
                 <c:pt idx="47">
-                  <c:v>0.08427585965890923</c:v>
+                  <c:v>0.10249044243721303</c:v>
                 </c:pt>
                 <c:pt idx="48">
-                  <c:v>0.01356784996135287</c:v>
+                  <c:v>0.01134973512614842</c:v>
+                </c:pt>
+                <c:pt idx="49">
+                  <c:v>0.025603116470160968</c:v>
                 </c:pt>
               </c:numCache>
             </c:numRef>
@@ -13312,10 +13492,10 @@
           </c:marker>
           <c:cat>
             <c:numRef>
-              <c:f>Sheet1!$A$2:$A$50</c:f>
+              <c:f>Sheet1!$A$2:$A$51</c:f>
               <c:numCache>
                 <c:formatCode>yyyy\-mm\-dd</c:formatCode>
-                <c:ptCount val="49"/>
+                <c:ptCount val="50"/>
                 <c:pt idx="0">
                   <c:v>42552.0</c:v>
                 </c:pt>
@@ -13462,16 +13642,19 @@
                 </c:pt>
                 <c:pt idx="48">
                   <c:v>44013.0</c:v>
+                </c:pt>
+                <c:pt idx="49">
+                  <c:v>44044.0</c:v>
                 </c:pt>
               </c:numCache>
             </c:numRef>
           </c:cat>
           <c:val>
             <c:numRef>
-              <c:f>Sheet1!$B$2:$B$50</c:f>
+              <c:f>Sheet1!$B$2:$B$51</c:f>
               <c:numCache>
                 <c:formatCode>General</c:formatCode>
-                <c:ptCount val="49"/>
+                <c:ptCount val="50"/>
                 <c:pt idx="0">
                   <c:v>95.0</c:v>
                 </c:pt>
@@ -13582,6 +13765,9 @@
                 </c:pt>
                 <c:pt idx="36">
                   <c:v>137.0</c:v>
+                </c:pt>
+                <c:pt idx="37">
+                  <c:v>90.0</c:v>
                 </c:pt>
               </c:numCache>
             </c:numRef>
@@ -13607,10 +13793,10 @@
           </c:marker>
           <c:cat>
             <c:numRef>
-              <c:f>Sheet1!$A$2:$A$50</c:f>
+              <c:f>Sheet1!$A$2:$A$51</c:f>
               <c:numCache>
                 <c:formatCode>yyyy\-mm\-dd</c:formatCode>
-                <c:ptCount val="49"/>
+                <c:ptCount val="50"/>
                 <c:pt idx="0">
                   <c:v>42552.0</c:v>
                 </c:pt>
@@ -13757,51 +13943,54 @@
                 </c:pt>
                 <c:pt idx="48">
                   <c:v>44013.0</c:v>
+                </c:pt>
+                <c:pt idx="49">
+                  <c:v>44044.0</c:v>
                 </c:pt>
               </c:numCache>
             </c:numRef>
           </c:cat>
           <c:val>
             <c:numRef>
-              <c:f>Sheet1!$C$2:$C$50</c:f>
+              <c:f>Sheet1!$C$2:$C$51</c:f>
               <c:numCache>
                 <c:formatCode>General</c:formatCode>
-                <c:ptCount val="49"/>
-                <c:pt idx="37">
-                  <c:v>126.87359499575554</c:v>
-                </c:pt>
+                <c:ptCount val="50"/>
                 <c:pt idx="38">
-                  <c:v>126.87359499575554</c:v>
+                  <c:v>121.9627506411048</c:v>
                 </c:pt>
                 <c:pt idx="39">
-                  <c:v>126.87359499575554</c:v>
+                  <c:v>121.9627506411048</c:v>
                 </c:pt>
                 <c:pt idx="40">
-                  <c:v>126.87359499575554</c:v>
+                  <c:v>121.9627506411048</c:v>
                 </c:pt>
                 <c:pt idx="41">
-                  <c:v>126.87359499575554</c:v>
+                  <c:v>121.9627506411048</c:v>
                 </c:pt>
                 <c:pt idx="42">
-                  <c:v>126.87359499575554</c:v>
+                  <c:v>121.9627506411048</c:v>
                 </c:pt>
                 <c:pt idx="43">
-                  <c:v>126.87359499575554</c:v>
+                  <c:v>121.9627506411048</c:v>
                 </c:pt>
                 <c:pt idx="44">
-                  <c:v>126.87359499575554</c:v>
+                  <c:v>121.9627506411048</c:v>
                 </c:pt>
                 <c:pt idx="45">
-                  <c:v>126.87359499575554</c:v>
+                  <c:v>121.9627506411048</c:v>
                 </c:pt>
                 <c:pt idx="46">
-                  <c:v>126.87359499575554</c:v>
+                  <c:v>121.9627506411048</c:v>
                 </c:pt>
                 <c:pt idx="47">
-                  <c:v>126.87359499575554</c:v>
+                  <c:v>121.9627506411048</c:v>
                 </c:pt>
                 <c:pt idx="48">
-                  <c:v>126.87359499575554</c:v>
+                  <c:v>121.9627506411048</c:v>
+                </c:pt>
+                <c:pt idx="49">
+                  <c:v>121.9627506411048</c:v>
                 </c:pt>
               </c:numCache>
             </c:numRef>
@@ -13827,10 +14016,10 @@
           </c:marker>
           <c:cat>
             <c:numRef>
-              <c:f>Sheet1!$A$2:$A$50</c:f>
+              <c:f>Sheet1!$A$2:$A$51</c:f>
               <c:numCache>
                 <c:formatCode>yyyy\-mm\-dd</c:formatCode>
-                <c:ptCount val="49"/>
+                <c:ptCount val="50"/>
                 <c:pt idx="0">
                   <c:v>42552.0</c:v>
                 </c:pt>
@@ -13977,51 +14166,54 @@
                 </c:pt>
                 <c:pt idx="48">
                   <c:v>44013.0</c:v>
+                </c:pt>
+                <c:pt idx="49">
+                  <c:v>44044.0</c:v>
                 </c:pt>
               </c:numCache>
             </c:numRef>
           </c:cat>
           <c:val>
             <c:numRef>
-              <c:f>Sheet1!$D$2:$D$50</c:f>
+              <c:f>Sheet1!$D$2:$D$51</c:f>
               <c:numCache>
                 <c:formatCode>General</c:formatCode>
-                <c:ptCount val="49"/>
-                <c:pt idx="37">
-                  <c:v>222.08833035561184</c:v>
-                </c:pt>
+                <c:ptCount val="50"/>
                 <c:pt idx="38">
-                  <c:v>225.9354056497549</c:v>
+                  <c:v>225.32998799308598</c:v>
                 </c:pt>
                 <c:pt idx="39">
-                  <c:v>229.71484264678298</c:v>
+                  <c:v>231.2814497632457</c:v>
                 </c:pt>
                 <c:pt idx="40">
-                  <c:v>233.43215568417844</c:v>
+                  <c:v>237.1886610258754</c:v>
                 </c:pt>
                 <c:pt idx="41">
-                  <c:v>237.09216298801846</c:v>
+                  <c:v>243.05883138908513</c:v>
                 </c:pt>
                 <c:pt idx="42">
-                  <c:v>240.69910344948218</c:v>
+                  <c:v>248.89812995824028</c:v>
                 </c:pt>
                 <c:pt idx="43">
-                  <c:v>244.25672938491908</c:v>
+                  <c:v>254.71188301486018</c:v>
                 </c:pt>
                 <c:pt idx="44">
-                  <c:v>247.76838105121357</c:v>
+                  <c:v>260.5047261723022</c:v>
                 </c:pt>
                 <c:pt idx="45">
-                  <c:v>251.23704711757395</c:v>
+                  <c:v>266.280723166187</c:v>
                 </c:pt>
                 <c:pt idx="46">
-                  <c:v>254.66541419761003</c:v>
+                  <c:v>272.04345978242276</c:v>
                 </c:pt>
                 <c:pt idx="47">
-                  <c:v>258.0559077662248</c:v>
+                  <c:v>277.79611898170356</c:v>
                 </c:pt>
                 <c:pt idx="48">
-                  <c:v>261.41072622389134</c:v>
+                  <c:v>283.5415416109763</c:v>
+                </c:pt>
+                <c:pt idx="49">
+                  <c:v>289.2822759320976</c:v>
                 </c:pt>
               </c:numCache>
             </c:numRef>
@@ -14047,10 +14239,10 @@
           </c:marker>
           <c:cat>
             <c:numRef>
-              <c:f>Sheet1!$A$2:$A$50</c:f>
+              <c:f>Sheet1!$A$2:$A$51</c:f>
               <c:numCache>
                 <c:formatCode>yyyy\-mm\-dd</c:formatCode>
-                <c:ptCount val="49"/>
+                <c:ptCount val="50"/>
                 <c:pt idx="0">
                   <c:v>42552.0</c:v>
                 </c:pt>
@@ -14197,51 +14389,54 @@
                 </c:pt>
                 <c:pt idx="48">
                   <c:v>44013.0</c:v>
+                </c:pt>
+                <c:pt idx="49">
+                  <c:v>44044.0</c:v>
                 </c:pt>
               </c:numCache>
             </c:numRef>
           </c:cat>
           <c:val>
             <c:numRef>
-              <c:f>Sheet1!$E$2:$E$50</c:f>
+              <c:f>Sheet1!$E$2:$E$51</c:f>
               <c:numCache>
                 <c:formatCode>General</c:formatCode>
-                <c:ptCount val="49"/>
-                <c:pt idx="37">
-                  <c:v>47.72407161238611</c:v>
-                </c:pt>
+                <c:ptCount val="50"/>
                 <c:pt idx="38">
-                  <c:v>46.27219937580873</c:v>
+                  <c:v>46.405499590031994</c:v>
                 </c:pt>
                 <c:pt idx="39">
-                  <c:v>44.88752765346423</c:v>
+                  <c:v>45.14720808431742</c:v>
                 </c:pt>
                 <c:pt idx="40">
-                  <c:v>43.56454141294929</c:v>
+                  <c:v>43.960335752598745</c:v>
                 </c:pt>
                 <c:pt idx="41">
-                  <c:v>42.29842172956827</c:v>
+                  <c:v>42.837756150004225</c:v>
                 </c:pt>
                 <c:pt idx="42">
-                  <c:v>41.0849290097888</c:v>
+                  <c:v>41.7733834903505</c:v>
                 </c:pt>
                 <c:pt idx="43">
-                  <c:v>39.92031023113822</c:v>
+                  <c:v>40.76197496743903</c:v>
                 </c:pt>
                 <c:pt idx="44">
-                  <c:v>38.80122442680037</c:v>
+                  <c:v>39.79897859955214</c:v>
                 </c:pt>
                 <c:pt idx="45">
-                  <c:v>37.72468221379008</c:v>
+                  <c:v>38.880414439231046</c:v>
                 </c:pt>
                 <c:pt idx="46">
-                  <c:v>36.687996260836734</c:v>
+                  <c:v>38.00278064543829</c:v>
                 </c:pt>
                 <c:pt idx="47">
-                  <c:v>35.688740371453676</c:v>
+                  <c:v>37.16297835925134</c:v>
                 </c:pt>
                 <c:pt idx="48">
-                  <c:v>34.724715419622015</c:v>
+                  <c:v>36.358250992589944</c:v>
+                </c:pt>
+                <c:pt idx="49">
+                  <c:v>35.586134699747944</c:v>
                 </c:pt>
               </c:numCache>
             </c:numRef>
@@ -14351,10 +14546,10 @@
           </c:marker>
           <c:cat>
             <c:numRef>
-              <c:f>Sheet1!$A$2:$A$50</c:f>
+              <c:f>Sheet1!$A$2:$A$51</c:f>
               <c:numCache>
                 <c:formatCode>yyyy\-mm\-dd</c:formatCode>
-                <c:ptCount val="49"/>
+                <c:ptCount val="50"/>
                 <c:pt idx="0">
                   <c:v>42552.0</c:v>
                 </c:pt>
@@ -14501,16 +14696,19 @@
                 </c:pt>
                 <c:pt idx="48">
                   <c:v>44013.0</c:v>
+                </c:pt>
+                <c:pt idx="49">
+                  <c:v>44044.0</c:v>
                 </c:pt>
               </c:numCache>
             </c:numRef>
           </c:cat>
           <c:val>
             <c:numRef>
-              <c:f>Sheet1!$B$2:$B$50</c:f>
+              <c:f>Sheet1!$B$2:$B$51</c:f>
               <c:numCache>
                 <c:formatCode>General</c:formatCode>
-                <c:ptCount val="49"/>
+                <c:ptCount val="50"/>
                 <c:pt idx="0">
                   <c:v>33.0</c:v>
                 </c:pt>
@@ -14621,6 +14819,9 @@
                 </c:pt>
                 <c:pt idx="36">
                   <c:v>59.0</c:v>
+                </c:pt>
+                <c:pt idx="37">
+                  <c:v>74.0</c:v>
                 </c:pt>
               </c:numCache>
             </c:numRef>
@@ -14646,10 +14847,10 @@
           </c:marker>
           <c:cat>
             <c:numRef>
-              <c:f>Sheet1!$A$2:$A$50</c:f>
+              <c:f>Sheet1!$A$2:$A$51</c:f>
               <c:numCache>
                 <c:formatCode>yyyy\-mm\-dd</c:formatCode>
-                <c:ptCount val="49"/>
+                <c:ptCount val="50"/>
                 <c:pt idx="0">
                   <c:v>42552.0</c:v>
                 </c:pt>
@@ -14796,51 +14997,54 @@
                 </c:pt>
                 <c:pt idx="48">
                   <c:v>44013.0</c:v>
+                </c:pt>
+                <c:pt idx="49">
+                  <c:v>44044.0</c:v>
                 </c:pt>
               </c:numCache>
             </c:numRef>
           </c:cat>
           <c:val>
             <c:numRef>
-              <c:f>Sheet1!$C$2:$C$50</c:f>
+              <c:f>Sheet1!$C$2:$C$51</c:f>
               <c:numCache>
                 <c:formatCode>General</c:formatCode>
-                <c:ptCount val="49"/>
-                <c:pt idx="37">
-                  <c:v>93.17943605594448</c:v>
-                </c:pt>
+                <c:ptCount val="50"/>
                 <c:pt idx="38">
-                  <c:v>93.17943605594448</c:v>
+                  <c:v>108.83645568099804</c:v>
                 </c:pt>
                 <c:pt idx="39">
-                  <c:v>93.17943605594448</c:v>
+                  <c:v>108.83645568099804</c:v>
                 </c:pt>
                 <c:pt idx="40">
-                  <c:v>93.17943605594448</c:v>
+                  <c:v>108.83645568099804</c:v>
                 </c:pt>
                 <c:pt idx="41">
-                  <c:v>93.17943605594448</c:v>
+                  <c:v>108.83645568099804</c:v>
                 </c:pt>
                 <c:pt idx="42">
-                  <c:v>93.17943605594448</c:v>
+                  <c:v>108.83645568099804</c:v>
                 </c:pt>
                 <c:pt idx="43">
-                  <c:v>93.17943605594448</c:v>
+                  <c:v>108.83645568099804</c:v>
                 </c:pt>
                 <c:pt idx="44">
-                  <c:v>93.17943605594448</c:v>
+                  <c:v>108.83645568099804</c:v>
                 </c:pt>
                 <c:pt idx="45">
-                  <c:v>93.17943605594448</c:v>
+                  <c:v>108.83645568099804</c:v>
                 </c:pt>
                 <c:pt idx="46">
-                  <c:v>93.17943605594448</c:v>
+                  <c:v>108.83645568099804</c:v>
                 </c:pt>
                 <c:pt idx="47">
-                  <c:v>93.17943605594448</c:v>
+                  <c:v>108.83645568099804</c:v>
                 </c:pt>
                 <c:pt idx="48">
-                  <c:v>93.17943605594448</c:v>
+                  <c:v>108.83645568099804</c:v>
+                </c:pt>
+                <c:pt idx="49">
+                  <c:v>108.83645568099804</c:v>
                 </c:pt>
               </c:numCache>
             </c:numRef>
@@ -14866,10 +15070,10 @@
           </c:marker>
           <c:cat>
             <c:numRef>
-              <c:f>Sheet1!$A$2:$A$50</c:f>
+              <c:f>Sheet1!$A$2:$A$51</c:f>
               <c:numCache>
                 <c:formatCode>yyyy\-mm\-dd</c:formatCode>
-                <c:ptCount val="49"/>
+                <c:ptCount val="50"/>
                 <c:pt idx="0">
                   <c:v>42552.0</c:v>
                 </c:pt>
@@ -15016,51 +15220,54 @@
                 </c:pt>
                 <c:pt idx="48">
                   <c:v>44013.0</c:v>
+                </c:pt>
+                <c:pt idx="49">
+                  <c:v>44044.0</c:v>
                 </c:pt>
               </c:numCache>
             </c:numRef>
           </c:cat>
           <c:val>
             <c:numRef>
-              <c:f>Sheet1!$D$2:$D$50</c:f>
+              <c:f>Sheet1!$D$2:$D$51</c:f>
               <c:numCache>
                 <c:formatCode>General</c:formatCode>
-                <c:ptCount val="49"/>
-                <c:pt idx="37">
-                  <c:v>186.64044283257815</c:v>
-                </c:pt>
+                <c:ptCount val="50"/>
                 <c:pt idx="38">
-                  <c:v>192.25853372436345</c:v>
+                  <c:v>254.75717342513104</c:v>
                 </c:pt>
                 <c:pt idx="39">
-                  <c:v>197.73982388453018</c:v>
+                  <c:v>273.8425832255477</c:v>
                 </c:pt>
                 <c:pt idx="40">
-                  <c:v>203.099361194407</c:v>
+                  <c:v>292.65909114858164</c:v>
                 </c:pt>
                 <c:pt idx="41">
-                  <c:v>208.34963686098024</c:v>
+                  <c:v>311.2748517426523</c:v>
                 </c:pt>
                 <c:pt idx="42">
-                  <c:v>213.50115451948048</c:v>
+                  <c:v>329.7400972326429</c:v>
                 </c:pt>
                 <c:pt idx="43">
-                  <c:v>218.5628461915622</c:v>
+                  <c:v>348.0929474046715</c:v>
                 </c:pt>
                 <c:pt idx="44">
-                  <c:v>223.5423826364302</c:v>
+                  <c:v>366.36302030512525</c:v>
                 </c:pt>
                 <c:pt idx="45">
-                  <c:v>228.44640912066745</c:v>
+                  <c:v>384.57377947012105</c:v>
                 </c:pt>
                 <c:pt idx="46">
-                  <c:v>233.28072740435323</c:v>
+                  <c:v>402.744117227965</c:v>
                 </c:pt>
                 <c:pt idx="47">
-                  <c:v>238.05043821658495</c:v>
+                  <c:v>420.8894562190577</c:v>
                 </c:pt>
                 <c:pt idx="48">
-                  <c:v>242.76005422245393</c:v>
+                  <c:v>439.0225361124243</c:v>
+                </c:pt>
+                <c:pt idx="49">
+                  <c:v>457.15398831448</c:v>
                 </c:pt>
               </c:numCache>
             </c:numRef>
@@ -15086,10 +15293,10 @@
           </c:marker>
           <c:cat>
             <c:numRef>
-              <c:f>Sheet1!$A$2:$A$50</c:f>
+              <c:f>Sheet1!$A$2:$A$51</c:f>
               <c:numCache>
                 <c:formatCode>yyyy\-mm\-dd</c:formatCode>
-                <c:ptCount val="49"/>
+                <c:ptCount val="50"/>
                 <c:pt idx="0">
                   <c:v>42552.0</c:v>
                 </c:pt>
@@ -15236,51 +15443,54 @@
                 </c:pt>
                 <c:pt idx="48">
                   <c:v>44013.0</c:v>
+                </c:pt>
+                <c:pt idx="49">
+                  <c:v>44044.0</c:v>
                 </c:pt>
               </c:numCache>
             </c:numRef>
           </c:cat>
           <c:val>
             <c:numRef>
-              <c:f>Sheet1!$E$2:$E$50</c:f>
+              <c:f>Sheet1!$E$2:$E$51</c:f>
               <c:numCache>
                 <c:formatCode>General</c:formatCode>
-                <c:ptCount val="49"/>
-                <c:pt idx="37">
-                  <c:v>18.671016749823526</c:v>
-                </c:pt>
+                <c:ptCount val="50"/>
                 <c:pt idx="38">
-                  <c:v>17.06409097341411</c:v>
+                  <c:v>11.134358583722317</c:v>
                 </c:pt>
                 <c:pt idx="39">
-                  <c:v>15.592107309502962</c:v>
+                  <c:v>9.28005701760294</c:v>
                 </c:pt>
                 <c:pt idx="40">
-                  <c:v>14.239990287666215</c:v>
+                  <c:v>7.75195580780315</c:v>
                 </c:pt>
                 <c:pt idx="41">
-                  <c:v>12.995220028322827</c:v>
+                  <c:v>6.48201724994172</c:v>
                 </c:pt>
                 <c:pt idx="42">
-                  <c:v>11.84726306633555</c:v>
+                  <c:v>5.420128189298514</c:v>
                 </c:pt>
                 <c:pt idx="43">
-                  <c:v>10.787156311625004</c:v>
+                  <c:v>4.52829023485417</c:v>
                 </c:pt>
                 <c:pt idx="44">
-                  <c:v>9.807196608445462</c:v>
+                  <c:v>3.7770091664737135</c:v>
                 </c:pt>
                 <c:pt idx="45">
-                  <c:v>8.900704866396445</c:v>
+                  <c:v>3.14294781988144</c:v>
                 </c:pt>
                 <c:pt idx="46">
-                  <c:v>8.06184396420012</c:v>
+                  <c:v>2.6073429077899637</c:v>
                 </c:pt>
                 <c:pt idx="47">
-                  <c:v>7.28547615149669</c:v>
+                  <c:v>2.154903633810429</c:v>
                 </c:pt>
                 <c:pt idx="48">
-                  <c:v>6.567049944655273</c:v>
+                  <c:v>1.7730251212138104</c:v>
+                </c:pt>
+                <c:pt idx="49">
+                  <c:v>1.4512138623856632</c:v>
                 </c:pt>
               </c:numCache>
             </c:numRef>
@@ -15390,10 +15600,10 @@
           </c:marker>
           <c:cat>
             <c:numRef>
-              <c:f>Sheet1!$A$2:$A$50</c:f>
+              <c:f>Sheet1!$A$2:$A$51</c:f>
               <c:numCache>
                 <c:formatCode>yyyy\-mm\-dd</c:formatCode>
-                <c:ptCount val="49"/>
+                <c:ptCount val="50"/>
                 <c:pt idx="0">
                   <c:v>42552.0</c:v>
                 </c:pt>
@@ -15540,16 +15750,19 @@
                 </c:pt>
                 <c:pt idx="48">
                   <c:v>44013.0</c:v>
+                </c:pt>
+                <c:pt idx="49">
+                  <c:v>44044.0</c:v>
                 </c:pt>
               </c:numCache>
             </c:numRef>
           </c:cat>
           <c:val>
             <c:numRef>
-              <c:f>Sheet1!$B$2:$B$50</c:f>
+              <c:f>Sheet1!$B$2:$B$51</c:f>
               <c:numCache>
                 <c:formatCode>General</c:formatCode>
-                <c:ptCount val="49"/>
+                <c:ptCount val="50"/>
                 <c:pt idx="0">
                   <c:v>139.0</c:v>
                 </c:pt>
@@ -15660,6 +15873,9 @@
                 </c:pt>
                 <c:pt idx="36">
                   <c:v>137.0</c:v>
+                </c:pt>
+                <c:pt idx="37">
+                  <c:v>188.0</c:v>
                 </c:pt>
               </c:numCache>
             </c:numRef>
@@ -15685,10 +15901,10 @@
           </c:marker>
           <c:cat>
             <c:numRef>
-              <c:f>Sheet1!$A$2:$A$50</c:f>
+              <c:f>Sheet1!$A$2:$A$51</c:f>
               <c:numCache>
                 <c:formatCode>yyyy\-mm\-dd</c:formatCode>
-                <c:ptCount val="49"/>
+                <c:ptCount val="50"/>
                 <c:pt idx="0">
                   <c:v>42552.0</c:v>
                 </c:pt>
@@ -15835,51 +16051,54 @@
                 </c:pt>
                 <c:pt idx="48">
                   <c:v>44013.0</c:v>
+                </c:pt>
+                <c:pt idx="49">
+                  <c:v>44044.0</c:v>
                 </c:pt>
               </c:numCache>
             </c:numRef>
           </c:cat>
           <c:val>
             <c:numRef>
-              <c:f>Sheet1!$C$2:$C$50</c:f>
+              <c:f>Sheet1!$C$2:$C$51</c:f>
               <c:numCache>
                 <c:formatCode>General</c:formatCode>
-                <c:ptCount val="49"/>
-                <c:pt idx="37">
-                  <c:v>112.55150586868523</c:v>
-                </c:pt>
+                <c:ptCount val="50"/>
                 <c:pt idx="38">
-                  <c:v>98.04483992341835</c:v>
+                  <c:v>132.5834364879389</c:v>
                 </c:pt>
                 <c:pt idx="39">
-                  <c:v>92.10958374834657</c:v>
+                  <c:v>106.88601507425072</c:v>
                 </c:pt>
                 <c:pt idx="40">
-                  <c:v>89.59797633506348</c:v>
+                  <c:v>96.99051084999051</c:v>
                 </c:pt>
                 <c:pt idx="41">
-                  <c:v>88.51861700901902</c:v>
+                  <c:v>92.94993719391346</c:v>
                 </c:pt>
                 <c:pt idx="42">
-                  <c:v>88.05156774162225</c:v>
+                  <c:v>91.2555051087209</c:v>
                 </c:pt>
                 <c:pt idx="43">
-                  <c:v>87.84886028411017</c:v>
+                  <c:v>90.53656425574684</c:v>
                 </c:pt>
                 <c:pt idx="44">
-                  <c:v>87.76076568198269</c:v>
+                  <c:v>90.22996922814943</c:v>
                 </c:pt>
                 <c:pt idx="45">
-                  <c:v>87.72245865779014</c:v>
+                  <c:v>90.09893501045698</c:v>
                 </c:pt>
                 <c:pt idx="46">
-                  <c:v>87.70579707776598</c:v>
+                  <c:v>90.0428804608921</c:v>
                 </c:pt>
                 <c:pt idx="47">
-                  <c:v>87.69854936065472</c:v>
+                  <c:v>90.01889151297881</c:v>
                 </c:pt>
                 <c:pt idx="48">
-                  <c:v>87.69539648489679</c:v>
+                  <c:v>90.008623506555</c:v>
+                </c:pt>
+                <c:pt idx="49">
+                  <c:v>90.00422816123972</c:v>
                 </c:pt>
               </c:numCache>
             </c:numRef>
@@ -15905,10 +16124,10 @@
           </c:marker>
           <c:cat>
             <c:numRef>
-              <c:f>Sheet1!$A$2:$A$50</c:f>
+              <c:f>Sheet1!$A$2:$A$51</c:f>
               <c:numCache>
                 <c:formatCode>yyyy\-mm\-dd</c:formatCode>
-                <c:ptCount val="49"/>
+                <c:ptCount val="50"/>
                 <c:pt idx="0">
                   <c:v>42552.0</c:v>
                 </c:pt>
@@ -16055,51 +16274,54 @@
                 </c:pt>
                 <c:pt idx="48">
                   <c:v>44013.0</c:v>
+                </c:pt>
+                <c:pt idx="49">
+                  <c:v>44044.0</c:v>
                 </c:pt>
               </c:numCache>
             </c:numRef>
           </c:cat>
           <c:val>
             <c:numRef>
-              <c:f>Sheet1!$D$2:$D$50</c:f>
+              <c:f>Sheet1!$D$2:$D$51</c:f>
               <c:numCache>
                 <c:formatCode>General</c:formatCode>
-                <c:ptCount val="49"/>
-                <c:pt idx="37">
-                  <c:v>211.19620109422144</c:v>
-                </c:pt>
+                <c:ptCount val="50"/>
                 <c:pt idx="38">
-                  <c:v>200.98176701521706</c:v>
+                  <c:v>250.38682210396772</c:v>
                 </c:pt>
                 <c:pt idx="39">
-                  <c:v>193.64290125310373</c:v>
+                  <c:v>223.03859522349765</c:v>
                 </c:pt>
                 <c:pt idx="40">
-                  <c:v>189.98322189470167</c:v>
+                  <c:v>208.56216351725277</c:v>
                 </c:pt>
                 <c:pt idx="41">
-                  <c:v>188.30776840978734</c:v>
+                  <c:v>201.99169439147977</c:v>
                 </c:pt>
                 <c:pt idx="42">
-                  <c:v>187.56348178672394</c:v>
+                  <c:v>199.11912297912644</c:v>
                 </c:pt>
                 <c:pt idx="43">
-                  <c:v>187.23680556142878</c:v>
+                  <c:v>197.87907286276513</c:v>
                 </c:pt>
                 <c:pt idx="44">
-                  <c:v>187.0941467207528</c:v>
+                  <c:v>197.34637714190146</c:v>
                 </c:pt>
                 <c:pt idx="45">
-                  <c:v>187.0319827318852</c:v>
+                  <c:v>197.1180027284741</c:v>
                 </c:pt>
                 <c:pt idx="46">
-                  <c:v>187.0049199533036</c:v>
+                  <c:v>197.02017779806351</c:v>
                 </c:pt>
                 <c:pt idx="47">
-                  <c:v>186.99314309411162</c:v>
+                  <c:v>196.97828916479878</c:v>
                 </c:pt>
                 <c:pt idx="48">
-                  <c:v>186.98801908455764</c:v>
+                  <c:v>196.9603551916097</c:v>
+                </c:pt>
+                <c:pt idx="49">
+                  <c:v>196.95267753834156</c:v>
                 </c:pt>
               </c:numCache>
             </c:numRef>
@@ -16125,10 +16347,10 @@
           </c:marker>
           <c:cat>
             <c:numRef>
-              <c:f>Sheet1!$A$2:$A$50</c:f>
+              <c:f>Sheet1!$A$2:$A$51</c:f>
               <c:numCache>
                 <c:formatCode>yyyy\-mm\-dd</c:formatCode>
-                <c:ptCount val="49"/>
+                <c:ptCount val="50"/>
                 <c:pt idx="0">
                   <c:v>42552.0</c:v>
                 </c:pt>
@@ -16275,51 +16497,54 @@
                 </c:pt>
                 <c:pt idx="48">
                   <c:v>44013.0</c:v>
+                </c:pt>
+                <c:pt idx="49">
+                  <c:v>44044.0</c:v>
                 </c:pt>
               </c:numCache>
             </c:numRef>
           </c:cat>
           <c:val>
             <c:numRef>
-              <c:f>Sheet1!$E$2:$E$50</c:f>
+              <c:f>Sheet1!$E$2:$E$51</c:f>
               <c:numCache>
                 <c:formatCode>General</c:formatCode>
-                <c:ptCount val="49"/>
-                <c:pt idx="37">
-                  <c:v>31.501618887201</c:v>
-                </c:pt>
+                <c:ptCount val="50"/>
                 <c:pt idx="38">
-                  <c:v>20.56034299808072</c:v>
+                  <c:v>38.23877306748863</c:v>
                 </c:pt>
                 <c:pt idx="39">
-                  <c:v>17.366937050720676</c:v>
+                  <c:v>22.846095197051387</c:v>
                 </c:pt>
                 <c:pt idx="40">
-                  <c:v>16.20206617743289</c:v>
+                  <c:v>18.429432378338905</c:v>
                 </c:pt>
                 <c:pt idx="41">
-                  <c:v>15.733512663517905</c:v>
+                  <c:v>16.83451767630197</c:v>
                 </c:pt>
                 <c:pt idx="42">
-                  <c:v>15.536601263711242</c:v>
+                  <c:v>16.199959173679787</c:v>
                 </c:pt>
                 <c:pt idx="43">
-                  <c:v>15.452225252229214</c:v>
+                  <c:v>15.936726136910508</c:v>
                 </c:pt>
                 <c:pt idx="44">
-                  <c:v>15.415760597135591</c:v>
+                  <c:v>15.825549954527165</c:v>
                 </c:pt>
                 <c:pt idx="45">
-                  <c:v>15.399942870805141</c:v>
+                  <c:v>15.778231334158187</c:v>
                 </c:pt>
                 <c:pt idx="46">
-                  <c:v>15.393070262094335</c:v>
+                  <c:v>15.758024989428385</c:v>
                 </c:pt>
                 <c:pt idx="47">
-                  <c:v>15.39008208449068</c:v>
+                  <c:v>15.749384104351963</c:v>
                 </c:pt>
                 <c:pt idx="48">
-                  <c:v>15.388782439017914</c:v>
+                  <c:v>15.745686742617117</c:v>
+                </c:pt>
+                <c:pt idx="49">
+                  <c:v>15.744104262154789</c:v>
                 </c:pt>
               </c:numCache>
             </c:numRef>
@@ -16429,10 +16654,10 @@
           </c:marker>
           <c:cat>
             <c:numRef>
-              <c:f>Sheet1!$A$2:$A$50</c:f>
+              <c:f>Sheet1!$A$2:$A$51</c:f>
               <c:numCache>
                 <c:formatCode>yyyy\-mm\-dd</c:formatCode>
-                <c:ptCount val="49"/>
+                <c:ptCount val="50"/>
                 <c:pt idx="0">
                   <c:v>42552.0</c:v>
                 </c:pt>
@@ -16579,16 +16804,19 @@
                 </c:pt>
                 <c:pt idx="48">
                   <c:v>44013.0</c:v>
+                </c:pt>
+                <c:pt idx="49">
+                  <c:v>44044.0</c:v>
                 </c:pt>
               </c:numCache>
             </c:numRef>
           </c:cat>
           <c:val>
             <c:numRef>
-              <c:f>Sheet1!$B$2:$B$50</c:f>
+              <c:f>Sheet1!$B$2:$B$51</c:f>
               <c:numCache>
                 <c:formatCode>General</c:formatCode>
-                <c:ptCount val="49"/>
+                <c:ptCount val="50"/>
                 <c:pt idx="0">
                   <c:v>217.0</c:v>
                 </c:pt>
@@ -16699,6 +16927,9 @@
                 </c:pt>
                 <c:pt idx="36">
                   <c:v>116.0</c:v>
+                </c:pt>
+                <c:pt idx="37">
+                  <c:v>124.0</c:v>
                 </c:pt>
               </c:numCache>
             </c:numRef>
@@ -16724,10 +16955,10 @@
           </c:marker>
           <c:cat>
             <c:numRef>
-              <c:f>Sheet1!$A$2:$A$50</c:f>
+              <c:f>Sheet1!$A$2:$A$51</c:f>
               <c:numCache>
                 <c:formatCode>yyyy\-mm\-dd</c:formatCode>
-                <c:ptCount val="49"/>
+                <c:ptCount val="50"/>
                 <c:pt idx="0">
                   <c:v>42552.0</c:v>
                 </c:pt>
@@ -16874,51 +17105,54 @@
                 </c:pt>
                 <c:pt idx="48">
                   <c:v>44013.0</c:v>
+                </c:pt>
+                <c:pt idx="49">
+                  <c:v>44044.0</c:v>
                 </c:pt>
               </c:numCache>
             </c:numRef>
           </c:cat>
           <c:val>
             <c:numRef>
-              <c:f>Sheet1!$C$2:$C$50</c:f>
+              <c:f>Sheet1!$C$2:$C$51</c:f>
               <c:numCache>
                 <c:formatCode>General</c:formatCode>
-                <c:ptCount val="49"/>
-                <c:pt idx="37">
-                  <c:v>116.69358811138375</c:v>
-                </c:pt>
+                <c:ptCount val="50"/>
                 <c:pt idx="38">
-                  <c:v>114.3427332666696</c:v>
+                  <c:v>119.42420967116577</c:v>
                 </c:pt>
                 <c:pt idx="39">
-                  <c:v>113.42226888511253</c:v>
+                  <c:v>115.60394651686165</c:v>
                 </c:pt>
                 <c:pt idx="40">
-                  <c:v>113.05894437281812</c:v>
+                  <c:v>114.12924305445848</c:v>
                 </c:pt>
                 <c:pt idx="41">
-                  <c:v>112.91507313714565</c:v>
+                  <c:v>113.55379987989417</c:v>
                 </c:pt>
                 <c:pt idx="42">
-                  <c:v>112.85802972914023</c:v>
+                  <c:v>113.32829851850866</c:v>
                 </c:pt>
                 <c:pt idx="43">
-                  <c:v>112.83540121238715</c:v>
+                  <c:v>113.23978214356082</c:v>
                 </c:pt>
                 <c:pt idx="44">
-                  <c:v>112.8264229215675</c:v>
+                  <c:v>113.20501378275699</c:v>
                 </c:pt>
                 <c:pt idx="45">
-                  <c:v>112.82286033229356</c:v>
+                  <c:v>113.19135357570347</c:v>
                 </c:pt>
                 <c:pt idx="46">
-                  <c:v>112.82144665091909</c:v>
+                  <c:v>113.18598604485815</c:v>
                 </c:pt>
                 <c:pt idx="47">
-                  <c:v>112.82088567689706</c:v>
+                  <c:v>113.18387688651589</c:v>
                 </c:pt>
                 <c:pt idx="48">
-                  <c:v>112.82066307127931</c:v>
+                  <c:v>113.18304808478987</c:v>
+                </c:pt>
+                <c:pt idx="49">
+                  <c:v>113.18272240201416</c:v>
                 </c:pt>
               </c:numCache>
             </c:numRef>
@@ -16944,10 +17178,10 @@
           </c:marker>
           <c:cat>
             <c:numRef>
-              <c:f>Sheet1!$A$2:$A$50</c:f>
+              <c:f>Sheet1!$A$2:$A$51</c:f>
               <c:numCache>
                 <c:formatCode>yyyy\-mm\-dd</c:formatCode>
-                <c:ptCount val="49"/>
+                <c:ptCount val="50"/>
                 <c:pt idx="0">
                   <c:v>42552.0</c:v>
                 </c:pt>
@@ -17094,51 +17328,54 @@
                 </c:pt>
                 <c:pt idx="48">
                   <c:v>44013.0</c:v>
+                </c:pt>
+                <c:pt idx="49">
+                  <c:v>44044.0</c:v>
                 </c:pt>
               </c:numCache>
             </c:numRef>
           </c:cat>
           <c:val>
             <c:numRef>
-              <c:f>Sheet1!$D$2:$D$50</c:f>
+              <c:f>Sheet1!$D$2:$D$51</c:f>
               <c:numCache>
                 <c:formatCode>General</c:formatCode>
-                <c:ptCount val="49"/>
-                <c:pt idx="37">
-                  <c:v>173.00621650640826</c:v>
-                </c:pt>
+                <c:ptCount val="50"/>
                 <c:pt idx="38">
-                  <c:v>175.41669431747772</c:v>
+                  <c:v>174.68712328536995</c:v>
                 </c:pt>
                 <c:pt idx="39">
-                  <c:v>174.9256348660028</c:v>
+                  <c:v>174.7191835338799</c:v>
                 </c:pt>
                 <c:pt idx="40">
-                  <c:v>174.51708568599315</c:v>
+                  <c:v>173.44156549818823</c:v>
                 </c:pt>
                 <c:pt idx="41">
-                  <c:v>174.32187792094484</c:v>
+                  <c:v>172.75527842169606</c:v>
                 </c:pt>
                 <c:pt idx="42">
-                  <c:v>174.2392335158015</c:v>
+                  <c:v>172.45772748760385</c:v>
                 </c:pt>
                 <c:pt idx="43">
-                  <c:v>174.2056241014286</c:v>
+                  <c:v>172.3365276855221</c:v>
                 </c:pt>
                 <c:pt idx="44">
-                  <c:v>174.19215903551648</c:v>
+                  <c:v>172.2882427590585</c:v>
                 </c:pt>
                 <c:pt idx="45">
-                  <c:v>174.18679564090826</c:v>
+                  <c:v>172.2691672281526</c:v>
                 </c:pt>
                 <c:pt idx="46">
-                  <c:v>174.18466415655337</c:v>
+                  <c:v>172.2616556678901</c:v>
                 </c:pt>
                 <c:pt idx="47">
-                  <c:v>174.18381783842446</c:v>
+                  <c:v>172.25870152067847</c:v>
                 </c:pt>
                 <c:pt idx="48">
-                  <c:v>174.18348192276147</c:v>
+                  <c:v>172.25754029172057</c:v>
+                </c:pt>
+                <c:pt idx="49">
+                  <c:v>172.25708392005077</c:v>
                 </c:pt>
               </c:numCache>
             </c:numRef>
@@ -17164,10 +17401,10 @@
           </c:marker>
           <c:cat>
             <c:numRef>
-              <c:f>Sheet1!$A$2:$A$50</c:f>
+              <c:f>Sheet1!$A$2:$A$51</c:f>
               <c:numCache>
                 <c:formatCode>yyyy\-mm\-dd</c:formatCode>
-                <c:ptCount val="49"/>
+                <c:ptCount val="50"/>
                 <c:pt idx="0">
                   <c:v>42552.0</c:v>
                 </c:pt>
@@ -17314,51 +17551,54 @@
                 </c:pt>
                 <c:pt idx="48">
                   <c:v>44013.0</c:v>
+                </c:pt>
+                <c:pt idx="49">
+                  <c:v>44044.0</c:v>
                 </c:pt>
               </c:numCache>
             </c:numRef>
           </c:cat>
           <c:val>
             <c:numRef>
-              <c:f>Sheet1!$E$2:$E$50</c:f>
+              <c:f>Sheet1!$E$2:$E$51</c:f>
               <c:numCache>
                 <c:formatCode>General</c:formatCode>
-                <c:ptCount val="49"/>
-                <c:pt idx="37">
-                  <c:v>69.28970937166984</c:v>
-                </c:pt>
+                <c:ptCount val="50"/>
                 <c:pt idx="38">
-                  <c:v>65.46238898197905</c:v>
+                  <c:v>71.28644749595206</c:v>
                 </c:pt>
                 <c:pt idx="39">
-                  <c:v>64.56542589868974</c:v>
+                  <c:v>66.19225973293524</c:v>
                 </c:pt>
                 <c:pt idx="40">
-                  <c:v>64.29631735350767</c:v>
+                  <c:v>64.86550936899029</c:v>
                 </c:pt>
                 <c:pt idx="41">
-                  <c:v>64.20285280421898</c:v>
+                  <c:v>64.43611339421562</c:v>
                 </c:pt>
                 <c:pt idx="42">
-                  <c:v>64.16784751635385</c:v>
+                  <c:v>64.28116553527927</c:v>
                 </c:pt>
                 <c:pt idx="43">
-                  <c:v>64.15428401052314</c:v>
+                  <c:v>64.22238800445199</c:v>
                 </c:pt>
                 <c:pt idx="44">
-                  <c:v>64.14895322696366</c:v>
+                  <c:v>64.1996158356702</c:v>
                 </c:pt>
                 <c:pt idx="45">
-                  <c:v>64.14684596678995</c:v>
+                  <c:v>64.19071745260194</c:v>
                 </c:pt>
                 <c:pt idx="46">
-                  <c:v>64.14601103791864</c:v>
+                  <c:v>64.1872284995345</c:v>
                 </c:pt>
                 <c:pt idx="47">
-                  <c:v>64.14567992149685</c:v>
+                  <c:v>64.18585868263729</c:v>
                 </c:pt>
                 <c:pt idx="48">
-                  <c:v>64.14554855915397</c:v>
+                  <c:v>64.18532058685426</c:v>
+                </c:pt>
+                <c:pt idx="49">
+                  <c:v>64.18510916641061</c:v>
                 </c:pt>
               </c:numCache>
             </c:numRef>
@@ -17468,10 +17708,10 @@
           </c:marker>
           <c:cat>
             <c:numRef>
-              <c:f>Sheet1!$A$2:$A$50</c:f>
+              <c:f>Sheet1!$A$2:$A$51</c:f>
               <c:numCache>
                 <c:formatCode>yyyy\-mm\-dd</c:formatCode>
-                <c:ptCount val="49"/>
+                <c:ptCount val="50"/>
                 <c:pt idx="0">
                   <c:v>42552.0</c:v>
                 </c:pt>
@@ -17618,16 +17858,19 @@
                 </c:pt>
                 <c:pt idx="48">
                   <c:v>44013.0</c:v>
+                </c:pt>
+                <c:pt idx="49">
+                  <c:v>44044.0</c:v>
                 </c:pt>
               </c:numCache>
             </c:numRef>
           </c:cat>
           <c:val>
             <c:numRef>
-              <c:f>Sheet1!$B$2:$B$50</c:f>
+              <c:f>Sheet1!$B$2:$B$51</c:f>
               <c:numCache>
                 <c:formatCode>General</c:formatCode>
-                <c:ptCount val="49"/>
+                <c:ptCount val="50"/>
                 <c:pt idx="0">
                   <c:v>14.0</c:v>
                 </c:pt>
@@ -17738,6 +17981,9 @@
                 </c:pt>
                 <c:pt idx="36">
                   <c:v>9.0</c:v>
+                </c:pt>
+                <c:pt idx="37">
+                  <c:v>10.0</c:v>
                 </c:pt>
               </c:numCache>
             </c:numRef>
@@ -17763,10 +18009,10 @@
           </c:marker>
           <c:cat>
             <c:numRef>
-              <c:f>Sheet1!$A$2:$A$50</c:f>
+              <c:f>Sheet1!$A$2:$A$51</c:f>
               <c:numCache>
                 <c:formatCode>yyyy\-mm\-dd</c:formatCode>
-                <c:ptCount val="49"/>
+                <c:ptCount val="50"/>
                 <c:pt idx="0">
                   <c:v>42552.0</c:v>
                 </c:pt>
@@ -17913,51 +18159,54 @@
                 </c:pt>
                 <c:pt idx="48">
                   <c:v>44013.0</c:v>
+                </c:pt>
+                <c:pt idx="49">
+                  <c:v>44044.0</c:v>
                 </c:pt>
               </c:numCache>
             </c:numRef>
           </c:cat>
           <c:val>
             <c:numRef>
-              <c:f>Sheet1!$C$2:$C$50</c:f>
+              <c:f>Sheet1!$C$2:$C$51</c:f>
               <c:numCache>
                 <c:formatCode>General</c:formatCode>
-                <c:ptCount val="49"/>
-                <c:pt idx="37">
-                  <c:v>9.210418090208272</c:v>
-                </c:pt>
+                <c:ptCount val="50"/>
                 <c:pt idx="38">
-                  <c:v>9.249341332557119</c:v>
+                  <c:v>9.757480318860733</c:v>
                 </c:pt>
                 <c:pt idx="39">
-                  <c:v>9.249341332557119</c:v>
+                  <c:v>9.611775978364916</c:v>
                 </c:pt>
                 <c:pt idx="40">
-                  <c:v>9.249341332557119</c:v>
+                  <c:v>9.611775978364916</c:v>
                 </c:pt>
                 <c:pt idx="41">
-                  <c:v>9.249341332557119</c:v>
+                  <c:v>9.611775978364916</c:v>
                 </c:pt>
                 <c:pt idx="42">
-                  <c:v>9.249341332557119</c:v>
+                  <c:v>9.611775978364916</c:v>
                 </c:pt>
                 <c:pt idx="43">
-                  <c:v>9.249341332557119</c:v>
+                  <c:v>9.611775978364916</c:v>
                 </c:pt>
                 <c:pt idx="44">
-                  <c:v>9.249341332557119</c:v>
+                  <c:v>9.611775978364916</c:v>
                 </c:pt>
                 <c:pt idx="45">
-                  <c:v>9.249341332557119</c:v>
+                  <c:v>9.611775978364916</c:v>
                 </c:pt>
                 <c:pt idx="46">
-                  <c:v>9.249341332557119</c:v>
+                  <c:v>9.611775978364916</c:v>
                 </c:pt>
                 <c:pt idx="47">
-                  <c:v>9.249341332557119</c:v>
+                  <c:v>9.611775978364916</c:v>
                 </c:pt>
                 <c:pt idx="48">
-                  <c:v>9.249341332557119</c:v>
+                  <c:v>9.611775978364916</c:v>
+                </c:pt>
+                <c:pt idx="49">
+                  <c:v>9.611775978364916</c:v>
                 </c:pt>
               </c:numCache>
             </c:numRef>
@@ -17983,10 +18232,10 @@
           </c:marker>
           <c:cat>
             <c:numRef>
-              <c:f>Sheet1!$A$2:$A$50</c:f>
+              <c:f>Sheet1!$A$2:$A$51</c:f>
               <c:numCache>
                 <c:formatCode>yyyy\-mm\-dd</c:formatCode>
-                <c:ptCount val="49"/>
+                <c:ptCount val="50"/>
                 <c:pt idx="0">
                   <c:v>42552.0</c:v>
                 </c:pt>
@@ -18133,51 +18382,54 @@
                 </c:pt>
                 <c:pt idx="48">
                   <c:v>44013.0</c:v>
+                </c:pt>
+                <c:pt idx="49">
+                  <c:v>44044.0</c:v>
                 </c:pt>
               </c:numCache>
             </c:numRef>
           </c:cat>
           <c:val>
             <c:numRef>
-              <c:f>Sheet1!$D$2:$D$50</c:f>
+              <c:f>Sheet1!$D$2:$D$51</c:f>
               <c:numCache>
                 <c:formatCode>General</c:formatCode>
-                <c:ptCount val="49"/>
-                <c:pt idx="37">
-                  <c:v>12.004264657468887</c:v>
-                </c:pt>
+                <c:ptCount val="50"/>
                 <c:pt idx="38">
-                  <c:v>12.551887061972765</c:v>
+                  <c:v>12.515188513860032</c:v>
                 </c:pt>
                 <c:pt idx="39">
-                  <c:v>12.78985710817852</c:v>
+                  <c:v>12.854563153000306</c:v>
                 </c:pt>
                 <c:pt idx="40">
-                  <c:v>13.014474940132825</c:v>
+                  <c:v>13.082237453934917</c:v>
                 </c:pt>
                 <c:pt idx="41">
-                  <c:v>13.22788614362431</c:v>
+                  <c:v>13.297128503629713</c:v>
                 </c:pt>
                 <c:pt idx="42">
-                  <c:v>13.43171547886021</c:v>
+                  <c:v>13.501266961543635</c:v>
                 </c:pt>
                 <c:pt idx="43">
-                  <c:v>13.62722844489638</c:v>
+                  <c:v>13.696195835314407</c:v>
                 </c:pt>
                 <c:pt idx="44">
-                  <c:v>13.815433593944398</c:v>
+                  <c:v>13.883120264559905</c:v>
                 </c:pt>
                 <c:pt idx="45">
-                  <c:v>13.997150170587883</c:v>
+                  <c:v>14.063002874185006</c:v>
                 </c:pt>
                 <c:pt idx="46">
-                  <c:v>14.173054442284867</c:v>
+                  <c:v>14.236627082822867</c:v>
                 </c:pt>
                 <c:pt idx="47">
-                  <c:v>14.343712393889248</c:v>
+                  <c:v>14.404640622225001</c:v>
                 </c:pt>
                 <c:pt idx="48">
-                  <c:v>14.509603392888343</c:v>
+                  <c:v>14.567586341107644</c:v>
+                </c:pt>
+                <c:pt idx="49">
+                  <c:v>14.725924559795807</c:v>
                 </c:pt>
               </c:numCache>
             </c:numRef>
@@ -18203,10 +18455,10 @@
           </c:marker>
           <c:cat>
             <c:numRef>
-              <c:f>Sheet1!$A$2:$A$50</c:f>
+              <c:f>Sheet1!$A$2:$A$51</c:f>
               <c:numCache>
                 <c:formatCode>yyyy\-mm\-dd</c:formatCode>
-                <c:ptCount val="49"/>
+                <c:ptCount val="50"/>
                 <c:pt idx="0">
                   <c:v>42552.0</c:v>
                 </c:pt>
@@ -18353,51 +18605,54 @@
                 </c:pt>
                 <c:pt idx="48">
                   <c:v>44013.0</c:v>
+                </c:pt>
+                <c:pt idx="49">
+                  <c:v>44044.0</c:v>
                 </c:pt>
               </c:numCache>
             </c:numRef>
           </c:cat>
           <c:val>
             <c:numRef>
-              <c:f>Sheet1!$E$2:$E$50</c:f>
+              <c:f>Sheet1!$E$2:$E$51</c:f>
               <c:numCache>
                 <c:formatCode>General</c:formatCode>
-                <c:ptCount val="49"/>
-                <c:pt idx="37">
-                  <c:v>6.498600275773845</c:v>
-                </c:pt>
+                <c:ptCount val="50"/>
                 <c:pt idx="38">
-                  <c:v>6.102393635009938</c:v>
+                  <c:v>7.063932385001749</c:v>
                 </c:pt>
                 <c:pt idx="39">
-                  <c:v>5.902968841409016</c:v>
+                  <c:v>6.492220733608584</c:v>
                 </c:pt>
                 <c:pt idx="40">
-                  <c:v>5.716978017093774</c:v>
+                  <c:v>6.294579709571567</c:v>
                 </c:pt>
                 <c:pt idx="41">
-                  <c:v>5.542276479150502</c:v>
+                  <c:v>6.109791486318897</c:v>
                 </c:pt>
                 <c:pt idx="42">
-                  <c:v>5.377240389665343</c:v>
+                  <c:v>5.935826177896148</c:v>
                 </c:pt>
                 <c:pt idx="43">
-                  <c:v>5.220605191928455</c:v>
+                  <c:v>5.771141566665646</c:v>
                 </c:pt>
                 <c:pt idx="44">
-                  <c:v>5.071363296789197</c:v>
+                  <c:v>5.614533320035574</c:v>
                 </c:pt>
                 <c:pt idx="45">
-                  <c:v>4.928696444131733</c:v>
+                  <c:v>5.465039637706647</c:v>
                 </c:pt>
                 <c:pt idx="46">
-                  <c:v>4.7919293730959405</c:v>
+                  <c:v>5.32187794380864</c:v>
                 </c:pt>
                 <c:pt idx="47">
-                  <c:v>4.660497128312399</c:v>
+                  <c:v>5.184401368113821</c:v>
                 </c:pt>
                 <c:pt idx="48">
-                  <c:v>4.5339213954563355</c:v>
+                  <c:v>5.052067942821131</c:v>
+                </c:pt>
+                <c:pt idx="49">
+                  <c:v>4.924418248571355</c:v>
                 </c:pt>
               </c:numCache>
             </c:numRef>
@@ -21353,7 +21608,7 @@
           <a:lstStyle/>
           <a:p>
             <a:r>
-              <a:t>August 2019 to July 2020</a:t>
+              <a:t>September 2019 to August 2020</a:t>
             </a:r>
           </a:p>
           <a:p>
